--- a/Jadval langute.pptx
+++ b/Jadval langute.pptx
@@ -9,14 +9,12 @@
     <p:sldId id="258" r:id="rId3"/>
     <p:sldId id="259" r:id="rId4"/>
     <p:sldId id="260" r:id="rId5"/>
-    <p:sldId id="261" r:id="rId6"/>
-    <p:sldId id="262" r:id="rId7"/>
-    <p:sldId id="263" r:id="rId8"/>
-    <p:sldId id="264" r:id="rId9"/>
-    <p:sldId id="265" r:id="rId10"/>
-    <p:sldId id="266" r:id="rId11"/>
-    <p:sldId id="267" r:id="rId12"/>
-    <p:sldId id="268" r:id="rId13"/>
+    <p:sldId id="269" r:id="rId6"/>
+    <p:sldId id="261" r:id="rId7"/>
+    <p:sldId id="262" r:id="rId8"/>
+    <p:sldId id="263" r:id="rId9"/>
+    <p:sldId id="264" r:id="rId10"/>
+    <p:sldId id="270" r:id="rId11"/>
   </p:sldIdLst>
   <p:sldSz cx="12192000" cy="6858000"/>
   <p:notesSz cx="6858000" cy="9144000"/>
@@ -115,6 +113,11 @@
       </a:defRPr>
     </a:lvl9pPr>
   </p:defaultTextStyle>
+  <p:extLst>
+    <p:ext uri="{EFAFB233-063F-42B5-8137-9DF3F51BA10A}">
+      <p15:sldGuideLst xmlns:p15="http://schemas.microsoft.com/office/powerpoint/2012/main"/>
+    </p:ext>
+  </p:extLst>
 </p:presentation>
 </file>
 
@@ -249,7 +252,7 @@
           <a:p>
             <a:fld id="{4747ACA7-1EC8-48A3-B68D-76204D76A671}" type="datetimeFigureOut">
               <a:rPr lang="fa-IR" smtClean="0"/>
-              <a:t>11/05/1444</a:t>
+              <a:t>05/11/1444</a:t>
             </a:fld>
             <a:endParaRPr lang="fa-IR"/>
           </a:p>
@@ -419,7 +422,7 @@
           <a:p>
             <a:fld id="{4747ACA7-1EC8-48A3-B68D-76204D76A671}" type="datetimeFigureOut">
               <a:rPr lang="fa-IR" smtClean="0"/>
-              <a:t>11/05/1444</a:t>
+              <a:t>05/11/1444</a:t>
             </a:fld>
             <a:endParaRPr lang="fa-IR"/>
           </a:p>
@@ -599,7 +602,7 @@
           <a:p>
             <a:fld id="{4747ACA7-1EC8-48A3-B68D-76204D76A671}" type="datetimeFigureOut">
               <a:rPr lang="fa-IR" smtClean="0"/>
-              <a:t>11/05/1444</a:t>
+              <a:t>05/11/1444</a:t>
             </a:fld>
             <a:endParaRPr lang="fa-IR"/>
           </a:p>
@@ -769,7 +772,7 @@
           <a:p>
             <a:fld id="{4747ACA7-1EC8-48A3-B68D-76204D76A671}" type="datetimeFigureOut">
               <a:rPr lang="fa-IR" smtClean="0"/>
-              <a:t>11/05/1444</a:t>
+              <a:t>05/11/1444</a:t>
             </a:fld>
             <a:endParaRPr lang="fa-IR"/>
           </a:p>
@@ -1015,7 +1018,7 @@
           <a:p>
             <a:fld id="{4747ACA7-1EC8-48A3-B68D-76204D76A671}" type="datetimeFigureOut">
               <a:rPr lang="fa-IR" smtClean="0"/>
-              <a:t>11/05/1444</a:t>
+              <a:t>05/11/1444</a:t>
             </a:fld>
             <a:endParaRPr lang="fa-IR"/>
           </a:p>
@@ -1247,7 +1250,7 @@
           <a:p>
             <a:fld id="{4747ACA7-1EC8-48A3-B68D-76204D76A671}" type="datetimeFigureOut">
               <a:rPr lang="fa-IR" smtClean="0"/>
-              <a:t>11/05/1444</a:t>
+              <a:t>05/11/1444</a:t>
             </a:fld>
             <a:endParaRPr lang="fa-IR"/>
           </a:p>
@@ -1614,7 +1617,7 @@
           <a:p>
             <a:fld id="{4747ACA7-1EC8-48A3-B68D-76204D76A671}" type="datetimeFigureOut">
               <a:rPr lang="fa-IR" smtClean="0"/>
-              <a:t>11/05/1444</a:t>
+              <a:t>05/11/1444</a:t>
             </a:fld>
             <a:endParaRPr lang="fa-IR"/>
           </a:p>
@@ -1732,7 +1735,7 @@
           <a:p>
             <a:fld id="{4747ACA7-1EC8-48A3-B68D-76204D76A671}" type="datetimeFigureOut">
               <a:rPr lang="fa-IR" smtClean="0"/>
-              <a:t>11/05/1444</a:t>
+              <a:t>05/11/1444</a:t>
             </a:fld>
             <a:endParaRPr lang="fa-IR"/>
           </a:p>
@@ -1827,7 +1830,7 @@
           <a:p>
             <a:fld id="{4747ACA7-1EC8-48A3-B68D-76204D76A671}" type="datetimeFigureOut">
               <a:rPr lang="fa-IR" smtClean="0"/>
-              <a:t>11/05/1444</a:t>
+              <a:t>05/11/1444</a:t>
             </a:fld>
             <a:endParaRPr lang="fa-IR"/>
           </a:p>
@@ -2104,7 +2107,7 @@
           <a:p>
             <a:fld id="{4747ACA7-1EC8-48A3-B68D-76204D76A671}" type="datetimeFigureOut">
               <a:rPr lang="fa-IR" smtClean="0"/>
-              <a:t>11/05/1444</a:t>
+              <a:t>05/11/1444</a:t>
             </a:fld>
             <a:endParaRPr lang="fa-IR"/>
           </a:p>
@@ -2357,7 +2360,7 @@
           <a:p>
             <a:fld id="{4747ACA7-1EC8-48A3-B68D-76204D76A671}" type="datetimeFigureOut">
               <a:rPr lang="fa-IR" smtClean="0"/>
-              <a:t>11/05/1444</a:t>
+              <a:t>05/11/1444</a:t>
             </a:fld>
             <a:endParaRPr lang="fa-IR"/>
           </a:p>
@@ -2570,7 +2573,7 @@
           <a:p>
             <a:fld id="{4747ACA7-1EC8-48A3-B68D-76204D76A671}" type="datetimeFigureOut">
               <a:rPr lang="fa-IR" smtClean="0"/>
-              <a:t>11/05/1444</a:t>
+              <a:t>05/11/1444</a:t>
             </a:fld>
             <a:endParaRPr lang="fa-IR"/>
           </a:p>
@@ -3702,7 +3705,11 @@
             <a:pPr algn="ctr"/>
             <a:r>
               <a:rPr lang="fa-IR" sz="3200" dirty="0" smtClean="0"/>
-              <a:t>جدول فیلم</a:t>
+              <a:t>جدول </a:t>
+            </a:r>
+            <a:r>
+              <a:rPr lang="fa-IR" sz="3200" dirty="0" smtClean="0"/>
+              <a:t>محتوای درس ها</a:t>
             </a:r>
             <a:endParaRPr lang="fa-IR" sz="3200" dirty="0"/>
           </a:p>
@@ -3717,14 +3724,14 @@
           <p:nvPr>
             <p:extLst>
               <p:ext uri="{D42A27DB-BD31-4B8C-83A1-F6EECF244321}">
-                <p14:modId xmlns:p14="http://schemas.microsoft.com/office/powerpoint/2010/main" val="1994474948"/>
+                <p14:modId xmlns:p14="http://schemas.microsoft.com/office/powerpoint/2010/main" val="458301874"/>
               </p:ext>
             </p:extLst>
           </p:nvPr>
         </p:nvGraphicFramePr>
         <p:xfrm>
-          <a:off x="3366866" y="1167616"/>
-          <a:ext cx="6077241" cy="5401996"/>
+          <a:off x="4292319" y="1175658"/>
+          <a:ext cx="3937280" cy="5251270"/>
         </p:xfrm>
         <a:graphic>
           <a:graphicData uri="http://schemas.openxmlformats.org/drawingml/2006/table">
@@ -3733,29 +3740,22 @@
                 <a:tableStyleId>{93296810-A885-4BE3-A3E7-6D5BEEA58F35}</a:tableStyleId>
               </a:tblPr>
               <a:tblGrid>
-                <a:gridCol w="2025747">
+                <a:gridCol w="1968640">
                   <a:extLst>
                     <a:ext uri="{9D8B030D-6E8A-4147-A177-3AD203B41FA5}">
                       <a16:colId xmlns:a16="http://schemas.microsoft.com/office/drawing/2014/main" val="4103901997"/>
                     </a:ext>
                   </a:extLst>
                 </a:gridCol>
-                <a:gridCol w="2025747">
+                <a:gridCol w="1968640">
                   <a:extLst>
                     <a:ext uri="{9D8B030D-6E8A-4147-A177-3AD203B41FA5}">
                       <a16:colId xmlns:a16="http://schemas.microsoft.com/office/drawing/2014/main" val="4199945654"/>
                     </a:ext>
                   </a:extLst>
                 </a:gridCol>
-                <a:gridCol w="2025747">
-                  <a:extLst>
-                    <a:ext uri="{9D8B030D-6E8A-4147-A177-3AD203B41FA5}">
-                      <a16:colId xmlns:a16="http://schemas.microsoft.com/office/drawing/2014/main" val="1273743323"/>
-                    </a:ext>
-                  </a:extLst>
-                </a:gridCol>
               </a:tblGrid>
-              <a:tr h="1350499">
+              <a:tr h="1050254">
                 <a:tc>
                   <a:txBody>
                     <a:bodyPr/>
@@ -3764,7 +3764,7 @@
                       <a:pPr algn="ctr" rtl="1"/>
                       <a:r>
                         <a:rPr lang="fa-IR" sz="2400" dirty="0" smtClean="0"/>
-                        <a:t>عنوان</a:t>
+                        <a:t>آیدی</a:t>
                       </a:r>
                       <a:endParaRPr lang="fa-IR" sz="2400" dirty="0"/>
                     </a:p>
@@ -3779,22 +3779,7 @@
                       <a:pPr algn="ctr" rtl="1"/>
                       <a:r>
                         <a:rPr lang="fa-IR" dirty="0" smtClean="0"/>
-                        <a:t>کپشن</a:t>
-                      </a:r>
-                      <a:endParaRPr lang="fa-IR" dirty="0"/>
-                    </a:p>
-                  </a:txBody>
-                  <a:tcPr/>
-                </a:tc>
-                <a:tc>
-                  <a:txBody>
-                    <a:bodyPr/>
-                    <a:lstStyle/>
-                    <a:p>
-                      <a:pPr algn="ctr" rtl="1"/>
-                      <a:r>
-                        <a:rPr lang="fa-IR" dirty="0" smtClean="0"/>
-                        <a:t>فیلم</a:t>
+                        <a:t>نوع محتوا</a:t>
                       </a:r>
                       <a:endParaRPr lang="fa-IR" dirty="0"/>
                     </a:p>
@@ -3807,36 +3792,29 @@
                   </a:ext>
                 </a:extLst>
               </a:tr>
-              <a:tr h="1350499">
-                <a:tc>
-                  <a:txBody>
-                    <a:bodyPr/>
-                    <a:lstStyle/>
-                    <a:p>
-                      <a:pPr algn="ctr" rtl="1"/>
-                      <a:endParaRPr lang="fa-IR"/>
-                    </a:p>
-                  </a:txBody>
-                  <a:tcPr/>
-                </a:tc>
-                <a:tc>
-                  <a:txBody>
-                    <a:bodyPr/>
-                    <a:lstStyle/>
-                    <a:p>
-                      <a:pPr algn="ctr" rtl="1"/>
-                      <a:endParaRPr lang="fa-IR"/>
-                    </a:p>
-                  </a:txBody>
-                  <a:tcPr/>
-                </a:tc>
-                <a:tc>
-                  <a:txBody>
-                    <a:bodyPr/>
-                    <a:lstStyle/>
-                    <a:p>
-                      <a:pPr algn="ctr" rtl="1"/>
-                      <a:endParaRPr lang="fa-IR"/>
+              <a:tr h="1050254">
+                <a:tc>
+                  <a:txBody>
+                    <a:bodyPr/>
+                    <a:lstStyle/>
+                    <a:p>
+                      <a:pPr algn="ctr" rtl="1"/>
+                      <a:endParaRPr lang="fa-IR" dirty="0"/>
+                    </a:p>
+                  </a:txBody>
+                  <a:tcPr/>
+                </a:tc>
+                <a:tc>
+                  <a:txBody>
+                    <a:bodyPr/>
+                    <a:lstStyle/>
+                    <a:p>
+                      <a:pPr algn="ctr" rtl="1"/>
+                      <a:r>
+                        <a:rPr lang="fa-IR" dirty="0" smtClean="0"/>
+                        <a:t>عکس</a:t>
+                      </a:r>
+                      <a:endParaRPr lang="fa-IR" dirty="0"/>
                     </a:p>
                   </a:txBody>
                   <a:tcPr/>
@@ -3847,7 +3825,7 @@
                   </a:ext>
                 </a:extLst>
               </a:tr>
-              <a:tr h="1350499">
+              <a:tr h="1050254">
                 <a:tc>
                   <a:txBody>
                     <a:bodyPr/>
@@ -3865,18 +3843,11 @@
                     <a:lstStyle/>
                     <a:p>
                       <a:pPr algn="ctr" rtl="1"/>
-                      <a:endParaRPr lang="fa-IR"/>
-                    </a:p>
-                  </a:txBody>
-                  <a:tcPr/>
-                </a:tc>
-                <a:tc>
-                  <a:txBody>
-                    <a:bodyPr/>
-                    <a:lstStyle/>
-                    <a:p>
-                      <a:pPr algn="ctr" rtl="1"/>
-                      <a:endParaRPr lang="fa-IR"/>
+                      <a:r>
+                        <a:rPr lang="fa-IR" dirty="0" smtClean="0"/>
+                        <a:t>فیلم</a:t>
+                      </a:r>
+                      <a:endParaRPr lang="fa-IR" dirty="0"/>
                     </a:p>
                   </a:txBody>
                   <a:tcPr/>
@@ -3887,35 +3858,28 @@
                   </a:ext>
                 </a:extLst>
               </a:tr>
-              <a:tr h="1350499">
-                <a:tc>
-                  <a:txBody>
-                    <a:bodyPr/>
-                    <a:lstStyle/>
-                    <a:p>
-                      <a:pPr algn="ctr" rtl="1"/>
-                      <a:endParaRPr lang="fa-IR" dirty="0"/>
-                    </a:p>
-                  </a:txBody>
-                  <a:tcPr/>
-                </a:tc>
-                <a:tc>
-                  <a:txBody>
-                    <a:bodyPr/>
-                    <a:lstStyle/>
-                    <a:p>
-                      <a:pPr algn="ctr" rtl="1"/>
-                      <a:endParaRPr lang="fa-IR"/>
-                    </a:p>
-                  </a:txBody>
-                  <a:tcPr/>
-                </a:tc>
-                <a:tc>
-                  <a:txBody>
-                    <a:bodyPr/>
-                    <a:lstStyle/>
-                    <a:p>
-                      <a:pPr algn="ctr" rtl="1"/>
+              <a:tr h="1050254">
+                <a:tc>
+                  <a:txBody>
+                    <a:bodyPr/>
+                    <a:lstStyle/>
+                    <a:p>
+                      <a:pPr algn="ctr" rtl="1"/>
+                      <a:endParaRPr lang="fa-IR" dirty="0"/>
+                    </a:p>
+                  </a:txBody>
+                  <a:tcPr/>
+                </a:tc>
+                <a:tc>
+                  <a:txBody>
+                    <a:bodyPr/>
+                    <a:lstStyle/>
+                    <a:p>
+                      <a:pPr algn="ctr" rtl="1"/>
+                      <a:r>
+                        <a:rPr lang="fa-IR" dirty="0" smtClean="0"/>
+                        <a:t>موسیقی</a:t>
+                      </a:r>
                       <a:endParaRPr lang="fa-IR" dirty="0"/>
                     </a:p>
                   </a:txBody>
@@ -3924,6 +3888,39 @@
                 <a:extLst>
                   <a:ext uri="{0D108BD9-81ED-4DB2-BD59-A6C34878D82A}">
                     <a16:rowId xmlns:a16="http://schemas.microsoft.com/office/drawing/2014/main" val="2313073884"/>
+                  </a:ext>
+                </a:extLst>
+              </a:tr>
+              <a:tr h="1050254">
+                <a:tc>
+                  <a:txBody>
+                    <a:bodyPr/>
+                    <a:lstStyle/>
+                    <a:p>
+                      <a:pPr algn="ctr" rtl="1"/>
+                      <a:endParaRPr lang="fa-IR" dirty="0"/>
+                    </a:p>
+                  </a:txBody>
+                  <a:tcPr/>
+                </a:tc>
+                <a:tc>
+                  <a:txBody>
+                    <a:bodyPr/>
+                    <a:lstStyle/>
+                    <a:p>
+                      <a:pPr algn="ctr" rtl="1"/>
+                      <a:r>
+                        <a:rPr lang="en-US" dirty="0" smtClean="0"/>
+                        <a:t>pdf</a:t>
+                      </a:r>
+                      <a:endParaRPr lang="fa-IR" dirty="0"/>
+                    </a:p>
+                  </a:txBody>
+                  <a:tcPr/>
+                </a:tc>
+                <a:extLst>
+                  <a:ext uri="{0D108BD9-81ED-4DB2-BD59-A6C34878D82A}">
+                    <a16:rowId xmlns:a16="http://schemas.microsoft.com/office/drawing/2014/main" val="3468095639"/>
                   </a:ext>
                 </a:extLst>
               </a:tr>
@@ -3931,46 +3928,279 @@
           </a:graphicData>
         </a:graphic>
       </p:graphicFrame>
-    </p:spTree>
-    <p:extLst>
-      <p:ext uri="{BB962C8B-B14F-4D97-AF65-F5344CB8AC3E}">
-        <p14:creationId xmlns:p14="http://schemas.microsoft.com/office/powerpoint/2010/main" val="3698961510"/>
-      </p:ext>
-    </p:extLst>
-  </p:cSld>
-  <p:clrMapOvr>
-    <a:masterClrMapping/>
-  </p:clrMapOvr>
-</p:sld>
-</file>
-
-<file path=ppt/slides/slide11.xml><?xml version="1.0" encoding="utf-8"?>
-<p:sld xmlns:a="http://schemas.openxmlformats.org/drawingml/2006/main" xmlns:r="http://schemas.openxmlformats.org/officeDocument/2006/relationships" xmlns:p="http://schemas.openxmlformats.org/presentationml/2006/main">
-  <p:cSld>
-    <p:spTree>
-      <p:nvGrpSpPr>
-        <p:cNvPr id="1" name=""/>
-        <p:cNvGrpSpPr/>
-        <p:nvPr/>
-      </p:nvGrpSpPr>
-      <p:grpSpPr>
-        <a:xfrm>
-          <a:off x="0" y="0"/>
-          <a:ext cx="0" cy="0"/>
-          <a:chOff x="0" y="0"/>
-          <a:chExt cx="0" cy="0"/>
-        </a:xfrm>
-      </p:grpSpPr>
-      <p:sp>
-        <p:nvSpPr>
-          <p:cNvPr id="2" name="TextBox 1"/>
+      <p:cxnSp>
+        <p:nvCxnSpPr>
+          <p:cNvPr id="5" name="Straight Arrow Connector 4"/>
+          <p:cNvCxnSpPr/>
+          <p:nvPr/>
+        </p:nvCxnSpPr>
+        <p:spPr>
+          <a:xfrm flipV="1">
+            <a:off x="8229599" y="2756265"/>
+            <a:ext cx="1476103" cy="1045028"/>
+          </a:xfrm>
+          <a:prstGeom prst="straightConnector1">
+            <a:avLst/>
+          </a:prstGeom>
+          <a:ln w="38100">
+            <a:tailEnd type="triangle"/>
+          </a:ln>
+        </p:spPr>
+        <p:style>
+          <a:lnRef idx="3">
+            <a:schemeClr val="accent5"/>
+          </a:lnRef>
+          <a:fillRef idx="0">
+            <a:schemeClr val="accent5"/>
+          </a:fillRef>
+          <a:effectRef idx="2">
+            <a:schemeClr val="accent5"/>
+          </a:effectRef>
+          <a:fontRef idx="minor">
+            <a:schemeClr val="tx1"/>
+          </a:fontRef>
+        </p:style>
+      </p:cxnSp>
+      <p:graphicFrame>
+        <p:nvGraphicFramePr>
+          <p:cNvPr id="6" name="Table 5"/>
+          <p:cNvGraphicFramePr>
+            <a:graphicFrameLocks noGrp="1"/>
+          </p:cNvGraphicFramePr>
+          <p:nvPr>
+            <p:extLst>
+              <p:ext uri="{D42A27DB-BD31-4B8C-83A1-F6EECF244321}">
+                <p14:modId xmlns:p14="http://schemas.microsoft.com/office/powerpoint/2010/main" val="2699604059"/>
+              </p:ext>
+            </p:extLst>
+          </p:nvPr>
+        </p:nvGraphicFramePr>
+        <p:xfrm>
+          <a:off x="9849394" y="1214847"/>
+          <a:ext cx="1734458" cy="5051700"/>
+        </p:xfrm>
+        <a:graphic>
+          <a:graphicData uri="http://schemas.openxmlformats.org/drawingml/2006/table">
+            <a:tbl>
+              <a:tblPr firstRow="1" bandRow="1">
+                <a:tableStyleId>{5C22544A-7EE6-4342-B048-85BDC9FD1C3A}</a:tableStyleId>
+              </a:tblPr>
+              <a:tblGrid>
+                <a:gridCol w="867229">
+                  <a:extLst>
+                    <a:ext uri="{9D8B030D-6E8A-4147-A177-3AD203B41FA5}">
+                      <a16:colId xmlns:a16="http://schemas.microsoft.com/office/drawing/2014/main" val="600351729"/>
+                    </a:ext>
+                  </a:extLst>
+                </a:gridCol>
+                <a:gridCol w="867229">
+                  <a:extLst>
+                    <a:ext uri="{9D8B030D-6E8A-4147-A177-3AD203B41FA5}">
+                      <a16:colId xmlns:a16="http://schemas.microsoft.com/office/drawing/2014/main" val="2555418669"/>
+                    </a:ext>
+                  </a:extLst>
+                </a:gridCol>
+              </a:tblGrid>
+              <a:tr h="841950">
+                <a:tc>
+                  <a:txBody>
+                    <a:bodyPr/>
+                    <a:lstStyle/>
+                    <a:p>
+                      <a:pPr algn="ctr"/>
+                      <a:r>
+                        <a:rPr lang="fa-IR" dirty="0" smtClean="0"/>
+                        <a:t>فایل</a:t>
+                      </a:r>
+                      <a:endParaRPr lang="en-US" dirty="0"/>
+                    </a:p>
+                  </a:txBody>
+                  <a:tcPr/>
+                </a:tc>
+                <a:tc>
+                  <a:txBody>
+                    <a:bodyPr/>
+                    <a:lstStyle/>
+                    <a:p>
+                      <a:pPr algn="ctr"/>
+                      <a:r>
+                        <a:rPr lang="fa-IR" dirty="0" smtClean="0"/>
+                        <a:t>آیدی</a:t>
+                      </a:r>
+                      <a:endParaRPr lang="en-US" dirty="0"/>
+                    </a:p>
+                  </a:txBody>
+                  <a:tcPr/>
+                </a:tc>
+                <a:extLst>
+                  <a:ext uri="{0D108BD9-81ED-4DB2-BD59-A6C34878D82A}">
+                    <a16:rowId xmlns:a16="http://schemas.microsoft.com/office/drawing/2014/main" val="1812106514"/>
+                  </a:ext>
+                </a:extLst>
+              </a:tr>
+              <a:tr h="841950">
+                <a:tc>
+                  <a:txBody>
+                    <a:bodyPr/>
+                    <a:lstStyle/>
+                    <a:p>
+                      <a:pPr algn="ctr"/>
+                      <a:r>
+                        <a:rPr lang="fa-IR" dirty="0" smtClean="0"/>
+                        <a:t>لینک فایل</a:t>
+                      </a:r>
+                      <a:endParaRPr lang="en-US" dirty="0"/>
+                    </a:p>
+                  </a:txBody>
+                  <a:tcPr/>
+                </a:tc>
+                <a:tc>
+                  <a:txBody>
+                    <a:bodyPr/>
+                    <a:lstStyle/>
+                    <a:p>
+                      <a:pPr algn="ctr"/>
+                      <a:endParaRPr lang="en-US" dirty="0"/>
+                    </a:p>
+                  </a:txBody>
+                  <a:tcPr/>
+                </a:tc>
+                <a:extLst>
+                  <a:ext uri="{0D108BD9-81ED-4DB2-BD59-A6C34878D82A}">
+                    <a16:rowId xmlns:a16="http://schemas.microsoft.com/office/drawing/2014/main" val="1391044643"/>
+                  </a:ext>
+                </a:extLst>
+              </a:tr>
+              <a:tr h="841950">
+                <a:tc>
+                  <a:txBody>
+                    <a:bodyPr/>
+                    <a:lstStyle/>
+                    <a:p>
+                      <a:pPr algn="ctr"/>
+                      <a:endParaRPr lang="en-US"/>
+                    </a:p>
+                  </a:txBody>
+                  <a:tcPr/>
+                </a:tc>
+                <a:tc>
+                  <a:txBody>
+                    <a:bodyPr/>
+                    <a:lstStyle/>
+                    <a:p>
+                      <a:pPr algn="ctr"/>
+                      <a:endParaRPr lang="en-US" dirty="0"/>
+                    </a:p>
+                  </a:txBody>
+                  <a:tcPr/>
+                </a:tc>
+                <a:extLst>
+                  <a:ext uri="{0D108BD9-81ED-4DB2-BD59-A6C34878D82A}">
+                    <a16:rowId xmlns:a16="http://schemas.microsoft.com/office/drawing/2014/main" val="2114879649"/>
+                  </a:ext>
+                </a:extLst>
+              </a:tr>
+              <a:tr h="841950">
+                <a:tc>
+                  <a:txBody>
+                    <a:bodyPr/>
+                    <a:lstStyle/>
+                    <a:p>
+                      <a:pPr algn="ctr"/>
+                      <a:endParaRPr lang="en-US"/>
+                    </a:p>
+                  </a:txBody>
+                  <a:tcPr/>
+                </a:tc>
+                <a:tc>
+                  <a:txBody>
+                    <a:bodyPr/>
+                    <a:lstStyle/>
+                    <a:p>
+                      <a:pPr algn="ctr"/>
+                      <a:endParaRPr lang="en-US" dirty="0"/>
+                    </a:p>
+                  </a:txBody>
+                  <a:tcPr/>
+                </a:tc>
+                <a:extLst>
+                  <a:ext uri="{0D108BD9-81ED-4DB2-BD59-A6C34878D82A}">
+                    <a16:rowId xmlns:a16="http://schemas.microsoft.com/office/drawing/2014/main" val="4182020107"/>
+                  </a:ext>
+                </a:extLst>
+              </a:tr>
+              <a:tr h="841950">
+                <a:tc>
+                  <a:txBody>
+                    <a:bodyPr/>
+                    <a:lstStyle/>
+                    <a:p>
+                      <a:pPr algn="ctr"/>
+                      <a:endParaRPr lang="en-US"/>
+                    </a:p>
+                  </a:txBody>
+                  <a:tcPr/>
+                </a:tc>
+                <a:tc>
+                  <a:txBody>
+                    <a:bodyPr/>
+                    <a:lstStyle/>
+                    <a:p>
+                      <a:pPr algn="ctr"/>
+                      <a:endParaRPr lang="en-US" dirty="0"/>
+                    </a:p>
+                  </a:txBody>
+                  <a:tcPr/>
+                </a:tc>
+                <a:extLst>
+                  <a:ext uri="{0D108BD9-81ED-4DB2-BD59-A6C34878D82A}">
+                    <a16:rowId xmlns:a16="http://schemas.microsoft.com/office/drawing/2014/main" val="3470248568"/>
+                  </a:ext>
+                </a:extLst>
+              </a:tr>
+              <a:tr h="841950">
+                <a:tc>
+                  <a:txBody>
+                    <a:bodyPr/>
+                    <a:lstStyle/>
+                    <a:p>
+                      <a:pPr algn="ctr"/>
+                      <a:endParaRPr lang="en-US"/>
+                    </a:p>
+                  </a:txBody>
+                  <a:tcPr/>
+                </a:tc>
+                <a:tc>
+                  <a:txBody>
+                    <a:bodyPr/>
+                    <a:lstStyle/>
+                    <a:p>
+                      <a:pPr algn="ctr"/>
+                      <a:endParaRPr lang="en-US" dirty="0"/>
+                    </a:p>
+                  </a:txBody>
+                  <a:tcPr/>
+                </a:tc>
+                <a:extLst>
+                  <a:ext uri="{0D108BD9-81ED-4DB2-BD59-A6C34878D82A}">
+                    <a16:rowId xmlns:a16="http://schemas.microsoft.com/office/drawing/2014/main" val="2604863827"/>
+                  </a:ext>
+                </a:extLst>
+              </a:tr>
+            </a:tbl>
+          </a:graphicData>
+        </a:graphic>
+      </p:graphicFrame>
+      <p:sp>
+        <p:nvSpPr>
+          <p:cNvPr id="7" name="TextBox 6"/>
           <p:cNvSpPr txBox="1"/>
           <p:nvPr/>
         </p:nvSpPr>
         <p:spPr>
           <a:xfrm>
-            <a:off x="4689229" y="309490"/>
-            <a:ext cx="3432517" cy="584775"/>
+            <a:off x="9705702" y="524933"/>
+            <a:ext cx="2134604" cy="369332"/>
           </a:xfrm>
           <a:prstGeom prst="rect">
             <a:avLst/>
@@ -3978,13 +4208,13 @@
         </p:spPr>
         <p:style>
           <a:lnRef idx="2">
-            <a:schemeClr val="accent6"/>
+            <a:schemeClr val="accent1"/>
           </a:lnRef>
           <a:fillRef idx="1">
             <a:schemeClr val="lt1"/>
           </a:fillRef>
           <a:effectRef idx="0">
-            <a:schemeClr val="accent6"/>
+            <a:schemeClr val="accent1"/>
           </a:effectRef>
           <a:fontRef idx="minor">
             <a:schemeClr val="dk1"/>
@@ -3998,541 +4228,17 @@
           <a:p>
             <a:pPr algn="ctr"/>
             <a:r>
-              <a:rPr lang="fa-IR" sz="3200" dirty="0" smtClean="0"/>
-              <a:t>جدول رفتار</a:t>
-            </a:r>
-            <a:endParaRPr lang="fa-IR" sz="3200" dirty="0"/>
-          </a:p>
-        </p:txBody>
-      </p:sp>
-      <p:graphicFrame>
-        <p:nvGraphicFramePr>
-          <p:cNvPr id="3" name="Table 2"/>
-          <p:cNvGraphicFramePr>
-            <a:graphicFrameLocks noGrp="1"/>
-          </p:cNvGraphicFramePr>
-          <p:nvPr>
-            <p:extLst>
-              <p:ext uri="{D42A27DB-BD31-4B8C-83A1-F6EECF244321}">
-                <p14:modId xmlns:p14="http://schemas.microsoft.com/office/powerpoint/2010/main" val="2155435527"/>
-              </p:ext>
-            </p:extLst>
-          </p:nvPr>
-        </p:nvGraphicFramePr>
-        <p:xfrm>
-          <a:off x="3366866" y="1167616"/>
-          <a:ext cx="6077241" cy="5401996"/>
-        </p:xfrm>
-        <a:graphic>
-          <a:graphicData uri="http://schemas.openxmlformats.org/drawingml/2006/table">
-            <a:tbl>
-              <a:tblPr rtl="1" firstRow="1" bandRow="1">
-                <a:tableStyleId>{93296810-A885-4BE3-A3E7-6D5BEEA58F35}</a:tableStyleId>
-              </a:tblPr>
-              <a:tblGrid>
-                <a:gridCol w="2025747">
-                  <a:extLst>
-                    <a:ext uri="{9D8B030D-6E8A-4147-A177-3AD203B41FA5}">
-                      <a16:colId xmlns:a16="http://schemas.microsoft.com/office/drawing/2014/main" val="4103901997"/>
-                    </a:ext>
-                  </a:extLst>
-                </a:gridCol>
-                <a:gridCol w="2025747">
-                  <a:extLst>
-                    <a:ext uri="{9D8B030D-6E8A-4147-A177-3AD203B41FA5}">
-                      <a16:colId xmlns:a16="http://schemas.microsoft.com/office/drawing/2014/main" val="4199945654"/>
-                    </a:ext>
-                  </a:extLst>
-                </a:gridCol>
-                <a:gridCol w="2025747">
-                  <a:extLst>
-                    <a:ext uri="{9D8B030D-6E8A-4147-A177-3AD203B41FA5}">
-                      <a16:colId xmlns:a16="http://schemas.microsoft.com/office/drawing/2014/main" val="1273743323"/>
-                    </a:ext>
-                  </a:extLst>
-                </a:gridCol>
-              </a:tblGrid>
-              <a:tr h="1350499">
-                <a:tc>
-                  <a:txBody>
-                    <a:bodyPr/>
-                    <a:lstStyle/>
-                    <a:p>
-                      <a:pPr algn="ctr" rtl="1"/>
-                      <a:r>
-                        <a:rPr lang="fa-IR" sz="2400" dirty="0" smtClean="0"/>
-                        <a:t>عنوان</a:t>
-                      </a:r>
-                      <a:endParaRPr lang="fa-IR" sz="2400" dirty="0"/>
-                    </a:p>
-                  </a:txBody>
-                  <a:tcPr/>
-                </a:tc>
-                <a:tc>
-                  <a:txBody>
-                    <a:bodyPr/>
-                    <a:lstStyle/>
-                    <a:p>
-                      <a:pPr algn="ctr" rtl="1"/>
-                      <a:r>
-                        <a:rPr lang="fa-IR" dirty="0" smtClean="0"/>
-                        <a:t>کپشن</a:t>
-                      </a:r>
-                      <a:endParaRPr lang="fa-IR" dirty="0"/>
-                    </a:p>
-                  </a:txBody>
-                  <a:tcPr/>
-                </a:tc>
-                <a:tc>
-                  <a:txBody>
-                    <a:bodyPr/>
-                    <a:lstStyle/>
-                    <a:p>
-                      <a:pPr algn="ctr" rtl="1"/>
-                      <a:r>
-                        <a:rPr lang="fa-IR" dirty="0" smtClean="0"/>
-                        <a:t>عکس</a:t>
-                      </a:r>
-                      <a:endParaRPr lang="fa-IR" dirty="0"/>
-                    </a:p>
-                  </a:txBody>
-                  <a:tcPr/>
-                </a:tc>
-                <a:extLst>
-                  <a:ext uri="{0D108BD9-81ED-4DB2-BD59-A6C34878D82A}">
-                    <a16:rowId xmlns:a16="http://schemas.microsoft.com/office/drawing/2014/main" val="1569810922"/>
-                  </a:ext>
-                </a:extLst>
-              </a:tr>
-              <a:tr h="1350499">
-                <a:tc>
-                  <a:txBody>
-                    <a:bodyPr/>
-                    <a:lstStyle/>
-                    <a:p>
-                      <a:pPr algn="ctr" rtl="1"/>
-                      <a:endParaRPr lang="fa-IR"/>
-                    </a:p>
-                  </a:txBody>
-                  <a:tcPr/>
-                </a:tc>
-                <a:tc>
-                  <a:txBody>
-                    <a:bodyPr/>
-                    <a:lstStyle/>
-                    <a:p>
-                      <a:pPr algn="ctr" rtl="1"/>
-                      <a:endParaRPr lang="fa-IR"/>
-                    </a:p>
-                  </a:txBody>
-                  <a:tcPr/>
-                </a:tc>
-                <a:tc>
-                  <a:txBody>
-                    <a:bodyPr/>
-                    <a:lstStyle/>
-                    <a:p>
-                      <a:pPr algn="ctr" rtl="1"/>
-                      <a:endParaRPr lang="fa-IR"/>
-                    </a:p>
-                  </a:txBody>
-                  <a:tcPr/>
-                </a:tc>
-                <a:extLst>
-                  <a:ext uri="{0D108BD9-81ED-4DB2-BD59-A6C34878D82A}">
-                    <a16:rowId xmlns:a16="http://schemas.microsoft.com/office/drawing/2014/main" val="1424492340"/>
-                  </a:ext>
-                </a:extLst>
-              </a:tr>
-              <a:tr h="1350499">
-                <a:tc>
-                  <a:txBody>
-                    <a:bodyPr/>
-                    <a:lstStyle/>
-                    <a:p>
-                      <a:pPr algn="ctr" rtl="1"/>
-                      <a:endParaRPr lang="fa-IR"/>
-                    </a:p>
-                  </a:txBody>
-                  <a:tcPr/>
-                </a:tc>
-                <a:tc>
-                  <a:txBody>
-                    <a:bodyPr/>
-                    <a:lstStyle/>
-                    <a:p>
-                      <a:pPr algn="ctr" rtl="1"/>
-                      <a:endParaRPr lang="fa-IR"/>
-                    </a:p>
-                  </a:txBody>
-                  <a:tcPr/>
-                </a:tc>
-                <a:tc>
-                  <a:txBody>
-                    <a:bodyPr/>
-                    <a:lstStyle/>
-                    <a:p>
-                      <a:pPr algn="ctr" rtl="1"/>
-                      <a:endParaRPr lang="fa-IR"/>
-                    </a:p>
-                  </a:txBody>
-                  <a:tcPr/>
-                </a:tc>
-                <a:extLst>
-                  <a:ext uri="{0D108BD9-81ED-4DB2-BD59-A6C34878D82A}">
-                    <a16:rowId xmlns:a16="http://schemas.microsoft.com/office/drawing/2014/main" val="2935914181"/>
-                  </a:ext>
-                </a:extLst>
-              </a:tr>
-              <a:tr h="1350499">
-                <a:tc>
-                  <a:txBody>
-                    <a:bodyPr/>
-                    <a:lstStyle/>
-                    <a:p>
-                      <a:pPr algn="ctr" rtl="1"/>
-                      <a:endParaRPr lang="fa-IR" dirty="0"/>
-                    </a:p>
-                  </a:txBody>
-                  <a:tcPr/>
-                </a:tc>
-                <a:tc>
-                  <a:txBody>
-                    <a:bodyPr/>
-                    <a:lstStyle/>
-                    <a:p>
-                      <a:pPr algn="ctr" rtl="1"/>
-                      <a:endParaRPr lang="fa-IR"/>
-                    </a:p>
-                  </a:txBody>
-                  <a:tcPr/>
-                </a:tc>
-                <a:tc>
-                  <a:txBody>
-                    <a:bodyPr/>
-                    <a:lstStyle/>
-                    <a:p>
-                      <a:pPr algn="ctr" rtl="1"/>
-                      <a:endParaRPr lang="fa-IR" dirty="0"/>
-                    </a:p>
-                  </a:txBody>
-                  <a:tcPr/>
-                </a:tc>
-                <a:extLst>
-                  <a:ext uri="{0D108BD9-81ED-4DB2-BD59-A6C34878D82A}">
-                    <a16:rowId xmlns:a16="http://schemas.microsoft.com/office/drawing/2014/main" val="2313073884"/>
-                  </a:ext>
-                </a:extLst>
-              </a:tr>
-            </a:tbl>
-          </a:graphicData>
-        </a:graphic>
-      </p:graphicFrame>
+              <a:rPr lang="fa-IR" dirty="0" smtClean="0"/>
+              <a:t>جدول فایل ها</a:t>
+            </a:r>
+            <a:endParaRPr lang="fa-IR" dirty="0"/>
+          </a:p>
+        </p:txBody>
+      </p:sp>
     </p:spTree>
     <p:extLst>
       <p:ext uri="{BB962C8B-B14F-4D97-AF65-F5344CB8AC3E}">
-        <p14:creationId xmlns:p14="http://schemas.microsoft.com/office/powerpoint/2010/main" val="1784620691"/>
-      </p:ext>
-    </p:extLst>
-  </p:cSld>
-  <p:clrMapOvr>
-    <a:masterClrMapping/>
-  </p:clrMapOvr>
-</p:sld>
-</file>
-
-<file path=ppt/slides/slide12.xml><?xml version="1.0" encoding="utf-8"?>
-<p:sld xmlns:a="http://schemas.openxmlformats.org/drawingml/2006/main" xmlns:r="http://schemas.openxmlformats.org/officeDocument/2006/relationships" xmlns:p="http://schemas.openxmlformats.org/presentationml/2006/main">
-  <p:cSld>
-    <p:spTree>
-      <p:nvGrpSpPr>
-        <p:cNvPr id="1" name=""/>
-        <p:cNvGrpSpPr/>
-        <p:nvPr/>
-      </p:nvGrpSpPr>
-      <p:grpSpPr>
-        <a:xfrm>
-          <a:off x="0" y="0"/>
-          <a:ext cx="0" cy="0"/>
-          <a:chOff x="0" y="0"/>
-          <a:chExt cx="0" cy="0"/>
-        </a:xfrm>
-      </p:grpSpPr>
-      <p:sp>
-        <p:nvSpPr>
-          <p:cNvPr id="2" name="TextBox 1"/>
-          <p:cNvSpPr txBox="1"/>
-          <p:nvPr/>
-        </p:nvSpPr>
-        <p:spPr>
-          <a:xfrm>
-            <a:off x="4689229" y="309490"/>
-            <a:ext cx="3432517" cy="584775"/>
-          </a:xfrm>
-          <a:prstGeom prst="rect">
-            <a:avLst/>
-          </a:prstGeom>
-        </p:spPr>
-        <p:style>
-          <a:lnRef idx="2">
-            <a:schemeClr val="accent6"/>
-          </a:lnRef>
-          <a:fillRef idx="1">
-            <a:schemeClr val="lt1"/>
-          </a:fillRef>
-          <a:effectRef idx="0">
-            <a:schemeClr val="accent6"/>
-          </a:effectRef>
-          <a:fontRef idx="minor">
-            <a:schemeClr val="dk1"/>
-          </a:fontRef>
-        </p:style>
-        <p:txBody>
-          <a:bodyPr wrap="square" rtlCol="1">
-            <a:spAutoFit/>
-          </a:bodyPr>
-          <a:lstStyle/>
-          <a:p>
-            <a:pPr algn="ctr"/>
-            <a:r>
-              <a:rPr lang="fa-IR" sz="3200" dirty="0" smtClean="0"/>
-              <a:t>جدول کتاب</a:t>
-            </a:r>
-            <a:endParaRPr lang="fa-IR" sz="3200" dirty="0"/>
-          </a:p>
-        </p:txBody>
-      </p:sp>
-      <p:graphicFrame>
-        <p:nvGraphicFramePr>
-          <p:cNvPr id="3" name="Table 2"/>
-          <p:cNvGraphicFramePr>
-            <a:graphicFrameLocks noGrp="1"/>
-          </p:cNvGraphicFramePr>
-          <p:nvPr>
-            <p:extLst>
-              <p:ext uri="{D42A27DB-BD31-4B8C-83A1-F6EECF244321}">
-                <p14:modId xmlns:p14="http://schemas.microsoft.com/office/powerpoint/2010/main" val="2790241033"/>
-              </p:ext>
-            </p:extLst>
-          </p:nvPr>
-        </p:nvGraphicFramePr>
-        <p:xfrm>
-          <a:off x="3366866" y="1167616"/>
-          <a:ext cx="6077241" cy="5401996"/>
-        </p:xfrm>
-        <a:graphic>
-          <a:graphicData uri="http://schemas.openxmlformats.org/drawingml/2006/table">
-            <a:tbl>
-              <a:tblPr rtl="1" firstRow="1" bandRow="1">
-                <a:tableStyleId>{93296810-A885-4BE3-A3E7-6D5BEEA58F35}</a:tableStyleId>
-              </a:tblPr>
-              <a:tblGrid>
-                <a:gridCol w="2025747">
-                  <a:extLst>
-                    <a:ext uri="{9D8B030D-6E8A-4147-A177-3AD203B41FA5}">
-                      <a16:colId xmlns:a16="http://schemas.microsoft.com/office/drawing/2014/main" val="4103901997"/>
-                    </a:ext>
-                  </a:extLst>
-                </a:gridCol>
-                <a:gridCol w="2025747">
-                  <a:extLst>
-                    <a:ext uri="{9D8B030D-6E8A-4147-A177-3AD203B41FA5}">
-                      <a16:colId xmlns:a16="http://schemas.microsoft.com/office/drawing/2014/main" val="4199945654"/>
-                    </a:ext>
-                  </a:extLst>
-                </a:gridCol>
-                <a:gridCol w="2025747">
-                  <a:extLst>
-                    <a:ext uri="{9D8B030D-6E8A-4147-A177-3AD203B41FA5}">
-                      <a16:colId xmlns:a16="http://schemas.microsoft.com/office/drawing/2014/main" val="1273743323"/>
-                    </a:ext>
-                  </a:extLst>
-                </a:gridCol>
-              </a:tblGrid>
-              <a:tr h="1350499">
-                <a:tc>
-                  <a:txBody>
-                    <a:bodyPr/>
-                    <a:lstStyle/>
-                    <a:p>
-                      <a:pPr algn="ctr" rtl="1"/>
-                      <a:r>
-                        <a:rPr lang="fa-IR" sz="2400" dirty="0" smtClean="0"/>
-                        <a:t>عنوان</a:t>
-                      </a:r>
-                      <a:endParaRPr lang="fa-IR" sz="2400" dirty="0"/>
-                    </a:p>
-                  </a:txBody>
-                  <a:tcPr/>
-                </a:tc>
-                <a:tc>
-                  <a:txBody>
-                    <a:bodyPr/>
-                    <a:lstStyle/>
-                    <a:p>
-                      <a:pPr algn="ctr" rtl="1"/>
-                      <a:r>
-                        <a:rPr lang="fa-IR" dirty="0" smtClean="0"/>
-                        <a:t>کپشن</a:t>
-                      </a:r>
-                      <a:endParaRPr lang="fa-IR" dirty="0"/>
-                    </a:p>
-                  </a:txBody>
-                  <a:tcPr/>
-                </a:tc>
-                <a:tc>
-                  <a:txBody>
-                    <a:bodyPr/>
-                    <a:lstStyle/>
-                    <a:p>
-                      <a:pPr algn="ctr" rtl="1"/>
-                      <a:r>
-                        <a:rPr lang="fa-IR" dirty="0" smtClean="0"/>
-                        <a:t>پی</a:t>
-                      </a:r>
-                      <a:r>
-                        <a:rPr lang="fa-IR" baseline="0" dirty="0" smtClean="0"/>
-                        <a:t> دی اف</a:t>
-                      </a:r>
-                      <a:endParaRPr lang="fa-IR" dirty="0"/>
-                    </a:p>
-                  </a:txBody>
-                  <a:tcPr/>
-                </a:tc>
-                <a:extLst>
-                  <a:ext uri="{0D108BD9-81ED-4DB2-BD59-A6C34878D82A}">
-                    <a16:rowId xmlns:a16="http://schemas.microsoft.com/office/drawing/2014/main" val="1569810922"/>
-                  </a:ext>
-                </a:extLst>
-              </a:tr>
-              <a:tr h="1350499">
-                <a:tc>
-                  <a:txBody>
-                    <a:bodyPr/>
-                    <a:lstStyle/>
-                    <a:p>
-                      <a:pPr algn="ctr" rtl="1"/>
-                      <a:endParaRPr lang="fa-IR"/>
-                    </a:p>
-                  </a:txBody>
-                  <a:tcPr/>
-                </a:tc>
-                <a:tc>
-                  <a:txBody>
-                    <a:bodyPr/>
-                    <a:lstStyle/>
-                    <a:p>
-                      <a:pPr algn="ctr" rtl="1"/>
-                      <a:endParaRPr lang="fa-IR"/>
-                    </a:p>
-                  </a:txBody>
-                  <a:tcPr/>
-                </a:tc>
-                <a:tc>
-                  <a:txBody>
-                    <a:bodyPr/>
-                    <a:lstStyle/>
-                    <a:p>
-                      <a:pPr algn="ctr" rtl="1"/>
-                      <a:endParaRPr lang="fa-IR"/>
-                    </a:p>
-                  </a:txBody>
-                  <a:tcPr/>
-                </a:tc>
-                <a:extLst>
-                  <a:ext uri="{0D108BD9-81ED-4DB2-BD59-A6C34878D82A}">
-                    <a16:rowId xmlns:a16="http://schemas.microsoft.com/office/drawing/2014/main" val="1424492340"/>
-                  </a:ext>
-                </a:extLst>
-              </a:tr>
-              <a:tr h="1350499">
-                <a:tc>
-                  <a:txBody>
-                    <a:bodyPr/>
-                    <a:lstStyle/>
-                    <a:p>
-                      <a:pPr algn="ctr" rtl="1"/>
-                      <a:endParaRPr lang="fa-IR"/>
-                    </a:p>
-                  </a:txBody>
-                  <a:tcPr/>
-                </a:tc>
-                <a:tc>
-                  <a:txBody>
-                    <a:bodyPr/>
-                    <a:lstStyle/>
-                    <a:p>
-                      <a:pPr algn="ctr" rtl="1"/>
-                      <a:endParaRPr lang="fa-IR"/>
-                    </a:p>
-                  </a:txBody>
-                  <a:tcPr/>
-                </a:tc>
-                <a:tc>
-                  <a:txBody>
-                    <a:bodyPr/>
-                    <a:lstStyle/>
-                    <a:p>
-                      <a:pPr algn="ctr" rtl="1"/>
-                      <a:endParaRPr lang="fa-IR"/>
-                    </a:p>
-                  </a:txBody>
-                  <a:tcPr/>
-                </a:tc>
-                <a:extLst>
-                  <a:ext uri="{0D108BD9-81ED-4DB2-BD59-A6C34878D82A}">
-                    <a16:rowId xmlns:a16="http://schemas.microsoft.com/office/drawing/2014/main" val="2935914181"/>
-                  </a:ext>
-                </a:extLst>
-              </a:tr>
-              <a:tr h="1350499">
-                <a:tc>
-                  <a:txBody>
-                    <a:bodyPr/>
-                    <a:lstStyle/>
-                    <a:p>
-                      <a:pPr algn="ctr" rtl="1"/>
-                      <a:endParaRPr lang="fa-IR" dirty="0"/>
-                    </a:p>
-                  </a:txBody>
-                  <a:tcPr/>
-                </a:tc>
-                <a:tc>
-                  <a:txBody>
-                    <a:bodyPr/>
-                    <a:lstStyle/>
-                    <a:p>
-                      <a:pPr algn="ctr" rtl="1"/>
-                      <a:endParaRPr lang="fa-IR"/>
-                    </a:p>
-                  </a:txBody>
-                  <a:tcPr/>
-                </a:tc>
-                <a:tc>
-                  <a:txBody>
-                    <a:bodyPr/>
-                    <a:lstStyle/>
-                    <a:p>
-                      <a:pPr algn="ctr" rtl="1"/>
-                      <a:endParaRPr lang="fa-IR" dirty="0"/>
-                    </a:p>
-                  </a:txBody>
-                  <a:tcPr/>
-                </a:tc>
-                <a:extLst>
-                  <a:ext uri="{0D108BD9-81ED-4DB2-BD59-A6C34878D82A}">
-                    <a16:rowId xmlns:a16="http://schemas.microsoft.com/office/drawing/2014/main" val="2313073884"/>
-                  </a:ext>
-                </a:extLst>
-              </a:tr>
-            </a:tbl>
-          </a:graphicData>
-        </a:graphic>
-      </p:graphicFrame>
-    </p:spTree>
-    <p:extLst>
-      <p:ext uri="{BB962C8B-B14F-4D97-AF65-F5344CB8AC3E}">
-        <p14:creationId xmlns:p14="http://schemas.microsoft.com/office/powerpoint/2010/main" val="2973548671"/>
+        <p14:creationId xmlns:p14="http://schemas.microsoft.com/office/powerpoint/2010/main" val="2842004095"/>
       </p:ext>
     </p:extLst>
   </p:cSld>
@@ -4612,7 +4318,469 @@
           <p:nvPr>
             <p:extLst>
               <p:ext uri="{D42A27DB-BD31-4B8C-83A1-F6EECF244321}">
-                <p14:modId xmlns:p14="http://schemas.microsoft.com/office/powerpoint/2010/main" val="943289718"/>
+                <p14:modId xmlns:p14="http://schemas.microsoft.com/office/powerpoint/2010/main" val="3576687823"/>
+              </p:ext>
+            </p:extLst>
+          </p:nvPr>
+        </p:nvGraphicFramePr>
+        <p:xfrm>
+          <a:off x="1111347" y="1181684"/>
+          <a:ext cx="10128738" cy="5401996"/>
+        </p:xfrm>
+        <a:graphic>
+          <a:graphicData uri="http://schemas.openxmlformats.org/drawingml/2006/table">
+            <a:tbl>
+              <a:tblPr rtl="1" firstRow="1" bandRow="1">
+                <a:tableStyleId>{93296810-A885-4BE3-A3E7-6D5BEEA58F35}</a:tableStyleId>
+              </a:tblPr>
+              <a:tblGrid>
+                <a:gridCol w="1688123">
+                  <a:extLst>
+                    <a:ext uri="{9D8B030D-6E8A-4147-A177-3AD203B41FA5}">
+                      <a16:colId xmlns:a16="http://schemas.microsoft.com/office/drawing/2014/main" val="4103901997"/>
+                    </a:ext>
+                  </a:extLst>
+                </a:gridCol>
+                <a:gridCol w="1688123">
+                  <a:extLst>
+                    <a:ext uri="{9D8B030D-6E8A-4147-A177-3AD203B41FA5}">
+                      <a16:colId xmlns:a16="http://schemas.microsoft.com/office/drawing/2014/main" val="4199945654"/>
+                    </a:ext>
+                  </a:extLst>
+                </a:gridCol>
+                <a:gridCol w="1688123">
+                  <a:extLst>
+                    <a:ext uri="{9D8B030D-6E8A-4147-A177-3AD203B41FA5}">
+                      <a16:colId xmlns:a16="http://schemas.microsoft.com/office/drawing/2014/main" val="1273743323"/>
+                    </a:ext>
+                  </a:extLst>
+                </a:gridCol>
+                <a:gridCol w="1688123">
+                  <a:extLst>
+                    <a:ext uri="{9D8B030D-6E8A-4147-A177-3AD203B41FA5}">
+                      <a16:colId xmlns:a16="http://schemas.microsoft.com/office/drawing/2014/main" val="1908589989"/>
+                    </a:ext>
+                  </a:extLst>
+                </a:gridCol>
+                <a:gridCol w="1688123">
+                  <a:extLst>
+                    <a:ext uri="{9D8B030D-6E8A-4147-A177-3AD203B41FA5}">
+                      <a16:colId xmlns:a16="http://schemas.microsoft.com/office/drawing/2014/main" val="3037063794"/>
+                    </a:ext>
+                  </a:extLst>
+                </a:gridCol>
+                <a:gridCol w="1688123">
+                  <a:extLst>
+                    <a:ext uri="{9D8B030D-6E8A-4147-A177-3AD203B41FA5}">
+                      <a16:colId xmlns:a16="http://schemas.microsoft.com/office/drawing/2014/main" val="781730424"/>
+                    </a:ext>
+                  </a:extLst>
+                </a:gridCol>
+              </a:tblGrid>
+              <a:tr h="1350499">
+                <a:tc>
+                  <a:txBody>
+                    <a:bodyPr/>
+                    <a:lstStyle/>
+                    <a:p>
+                      <a:pPr algn="ctr" rtl="1"/>
+                      <a:r>
+                        <a:rPr lang="fa-IR" sz="2400" dirty="0" smtClean="0"/>
+                        <a:t>نام</a:t>
+                      </a:r>
+                      <a:endParaRPr lang="fa-IR" sz="2400" dirty="0"/>
+                    </a:p>
+                  </a:txBody>
+                  <a:tcPr/>
+                </a:tc>
+                <a:tc>
+                  <a:txBody>
+                    <a:bodyPr/>
+                    <a:lstStyle/>
+                    <a:p>
+                      <a:pPr algn="ctr" rtl="1"/>
+                      <a:r>
+                        <a:rPr lang="fa-IR" dirty="0" smtClean="0"/>
+                        <a:t>نام خانوادگی</a:t>
+                      </a:r>
+                      <a:endParaRPr lang="fa-IR" dirty="0"/>
+                    </a:p>
+                  </a:txBody>
+                  <a:tcPr/>
+                </a:tc>
+                <a:tc>
+                  <a:txBody>
+                    <a:bodyPr/>
+                    <a:lstStyle/>
+                    <a:p>
+                      <a:pPr algn="ctr" rtl="1"/>
+                      <a:r>
+                        <a:rPr lang="fa-IR" dirty="0" smtClean="0"/>
+                        <a:t>ایمیل</a:t>
+                      </a:r>
+                      <a:endParaRPr lang="fa-IR" dirty="0"/>
+                    </a:p>
+                  </a:txBody>
+                  <a:tcPr/>
+                </a:tc>
+                <a:tc>
+                  <a:txBody>
+                    <a:bodyPr/>
+                    <a:lstStyle/>
+                    <a:p>
+                      <a:pPr algn="ctr" rtl="1"/>
+                      <a:r>
+                        <a:rPr lang="fa-IR" dirty="0" smtClean="0"/>
+                        <a:t>رمز عبور</a:t>
+                      </a:r>
+                      <a:endParaRPr lang="fa-IR" dirty="0"/>
+                    </a:p>
+                  </a:txBody>
+                  <a:tcPr/>
+                </a:tc>
+                <a:tc>
+                  <a:txBody>
+                    <a:bodyPr/>
+                    <a:lstStyle/>
+                    <a:p>
+                      <a:pPr algn="ctr" rtl="1"/>
+                      <a:r>
+                        <a:rPr lang="en-US" dirty="0" smtClean="0"/>
+                        <a:t>Is login</a:t>
+                      </a:r>
+                      <a:endParaRPr lang="fa-IR" dirty="0"/>
+                    </a:p>
+                  </a:txBody>
+                  <a:tcPr/>
+                </a:tc>
+                <a:tc>
+                  <a:txBody>
+                    <a:bodyPr/>
+                    <a:lstStyle/>
+                    <a:p>
+                      <a:pPr algn="ctr" rtl="1"/>
+                      <a:r>
+                        <a:rPr lang="en-US" dirty="0" err="1" smtClean="0"/>
+                        <a:t>isadmin</a:t>
+                      </a:r>
+                      <a:endParaRPr lang="fa-IR" dirty="0"/>
+                    </a:p>
+                  </a:txBody>
+                  <a:tcPr/>
+                </a:tc>
+                <a:extLst>
+                  <a:ext uri="{0D108BD9-81ED-4DB2-BD59-A6C34878D82A}">
+                    <a16:rowId xmlns:a16="http://schemas.microsoft.com/office/drawing/2014/main" val="1569810922"/>
+                  </a:ext>
+                </a:extLst>
+              </a:tr>
+              <a:tr h="1350499">
+                <a:tc>
+                  <a:txBody>
+                    <a:bodyPr/>
+                    <a:lstStyle/>
+                    <a:p>
+                      <a:pPr algn="ctr" rtl="1"/>
+                      <a:endParaRPr lang="fa-IR" dirty="0"/>
+                    </a:p>
+                  </a:txBody>
+                  <a:tcPr/>
+                </a:tc>
+                <a:tc>
+                  <a:txBody>
+                    <a:bodyPr/>
+                    <a:lstStyle/>
+                    <a:p>
+                      <a:pPr algn="ctr" rtl="1"/>
+                      <a:endParaRPr lang="fa-IR"/>
+                    </a:p>
+                  </a:txBody>
+                  <a:tcPr/>
+                </a:tc>
+                <a:tc>
+                  <a:txBody>
+                    <a:bodyPr/>
+                    <a:lstStyle/>
+                    <a:p>
+                      <a:pPr algn="ctr" rtl="1"/>
+                      <a:endParaRPr lang="fa-IR"/>
+                    </a:p>
+                  </a:txBody>
+                  <a:tcPr/>
+                </a:tc>
+                <a:tc>
+                  <a:txBody>
+                    <a:bodyPr/>
+                    <a:lstStyle/>
+                    <a:p>
+                      <a:pPr algn="ctr" rtl="1"/>
+                      <a:endParaRPr lang="fa-IR"/>
+                    </a:p>
+                  </a:txBody>
+                  <a:tcPr/>
+                </a:tc>
+                <a:tc>
+                  <a:txBody>
+                    <a:bodyPr/>
+                    <a:lstStyle/>
+                    <a:p>
+                      <a:pPr algn="ctr" rtl="1"/>
+                      <a:endParaRPr lang="fa-IR" dirty="0"/>
+                    </a:p>
+                  </a:txBody>
+                  <a:tcPr/>
+                </a:tc>
+                <a:tc>
+                  <a:txBody>
+                    <a:bodyPr/>
+                    <a:lstStyle/>
+                    <a:p>
+                      <a:pPr algn="ctr" rtl="1"/>
+                      <a:endParaRPr lang="fa-IR"/>
+                    </a:p>
+                  </a:txBody>
+                  <a:tcPr/>
+                </a:tc>
+                <a:extLst>
+                  <a:ext uri="{0D108BD9-81ED-4DB2-BD59-A6C34878D82A}">
+                    <a16:rowId xmlns:a16="http://schemas.microsoft.com/office/drawing/2014/main" val="1424492340"/>
+                  </a:ext>
+                </a:extLst>
+              </a:tr>
+              <a:tr h="1350499">
+                <a:tc>
+                  <a:txBody>
+                    <a:bodyPr/>
+                    <a:lstStyle/>
+                    <a:p>
+                      <a:pPr algn="ctr" rtl="1"/>
+                      <a:endParaRPr lang="fa-IR"/>
+                    </a:p>
+                  </a:txBody>
+                  <a:tcPr/>
+                </a:tc>
+                <a:tc>
+                  <a:txBody>
+                    <a:bodyPr/>
+                    <a:lstStyle/>
+                    <a:p>
+                      <a:pPr algn="ctr" rtl="1"/>
+                      <a:endParaRPr lang="fa-IR"/>
+                    </a:p>
+                  </a:txBody>
+                  <a:tcPr/>
+                </a:tc>
+                <a:tc>
+                  <a:txBody>
+                    <a:bodyPr/>
+                    <a:lstStyle/>
+                    <a:p>
+                      <a:pPr algn="ctr" rtl="1"/>
+                      <a:endParaRPr lang="fa-IR"/>
+                    </a:p>
+                  </a:txBody>
+                  <a:tcPr/>
+                </a:tc>
+                <a:tc>
+                  <a:txBody>
+                    <a:bodyPr/>
+                    <a:lstStyle/>
+                    <a:p>
+                      <a:pPr algn="ctr" rtl="1"/>
+                      <a:endParaRPr lang="fa-IR"/>
+                    </a:p>
+                  </a:txBody>
+                  <a:tcPr/>
+                </a:tc>
+                <a:tc>
+                  <a:txBody>
+                    <a:bodyPr/>
+                    <a:lstStyle/>
+                    <a:p>
+                      <a:pPr algn="ctr" rtl="1"/>
+                      <a:endParaRPr lang="fa-IR"/>
+                    </a:p>
+                  </a:txBody>
+                  <a:tcPr/>
+                </a:tc>
+                <a:tc>
+                  <a:txBody>
+                    <a:bodyPr/>
+                    <a:lstStyle/>
+                    <a:p>
+                      <a:pPr algn="ctr" rtl="1"/>
+                      <a:endParaRPr lang="fa-IR"/>
+                    </a:p>
+                  </a:txBody>
+                  <a:tcPr/>
+                </a:tc>
+                <a:extLst>
+                  <a:ext uri="{0D108BD9-81ED-4DB2-BD59-A6C34878D82A}">
+                    <a16:rowId xmlns:a16="http://schemas.microsoft.com/office/drawing/2014/main" val="2935914181"/>
+                  </a:ext>
+                </a:extLst>
+              </a:tr>
+              <a:tr h="1350499">
+                <a:tc>
+                  <a:txBody>
+                    <a:bodyPr/>
+                    <a:lstStyle/>
+                    <a:p>
+                      <a:pPr algn="ctr" rtl="1"/>
+                      <a:endParaRPr lang="fa-IR" dirty="0"/>
+                    </a:p>
+                  </a:txBody>
+                  <a:tcPr/>
+                </a:tc>
+                <a:tc>
+                  <a:txBody>
+                    <a:bodyPr/>
+                    <a:lstStyle/>
+                    <a:p>
+                      <a:pPr algn="ctr" rtl="1"/>
+                      <a:endParaRPr lang="fa-IR"/>
+                    </a:p>
+                  </a:txBody>
+                  <a:tcPr/>
+                </a:tc>
+                <a:tc>
+                  <a:txBody>
+                    <a:bodyPr/>
+                    <a:lstStyle/>
+                    <a:p>
+                      <a:pPr algn="ctr" rtl="1"/>
+                      <a:endParaRPr lang="fa-IR"/>
+                    </a:p>
+                  </a:txBody>
+                  <a:tcPr/>
+                </a:tc>
+                <a:tc>
+                  <a:txBody>
+                    <a:bodyPr/>
+                    <a:lstStyle/>
+                    <a:p>
+                      <a:pPr algn="ctr" rtl="1"/>
+                      <a:endParaRPr lang="fa-IR" dirty="0"/>
+                    </a:p>
+                  </a:txBody>
+                  <a:tcPr/>
+                </a:tc>
+                <a:tc>
+                  <a:txBody>
+                    <a:bodyPr/>
+                    <a:lstStyle/>
+                    <a:p>
+                      <a:pPr algn="ctr" rtl="1"/>
+                      <a:endParaRPr lang="fa-IR" dirty="0"/>
+                    </a:p>
+                  </a:txBody>
+                  <a:tcPr/>
+                </a:tc>
+                <a:tc>
+                  <a:txBody>
+                    <a:bodyPr/>
+                    <a:lstStyle/>
+                    <a:p>
+                      <a:pPr algn="ctr" rtl="1"/>
+                      <a:endParaRPr lang="fa-IR" dirty="0"/>
+                    </a:p>
+                  </a:txBody>
+                  <a:tcPr/>
+                </a:tc>
+                <a:extLst>
+                  <a:ext uri="{0D108BD9-81ED-4DB2-BD59-A6C34878D82A}">
+                    <a16:rowId xmlns:a16="http://schemas.microsoft.com/office/drawing/2014/main" val="2313073884"/>
+                  </a:ext>
+                </a:extLst>
+              </a:tr>
+            </a:tbl>
+          </a:graphicData>
+        </a:graphic>
+      </p:graphicFrame>
+    </p:spTree>
+    <p:extLst>
+      <p:ext uri="{BB962C8B-B14F-4D97-AF65-F5344CB8AC3E}">
+        <p14:creationId xmlns:p14="http://schemas.microsoft.com/office/powerpoint/2010/main" val="3927142353"/>
+      </p:ext>
+    </p:extLst>
+  </p:cSld>
+  <p:clrMapOvr>
+    <a:masterClrMapping/>
+  </p:clrMapOvr>
+</p:sld>
+</file>
+
+<file path=ppt/slides/slide3.xml><?xml version="1.0" encoding="utf-8"?>
+<p:sld xmlns:a="http://schemas.openxmlformats.org/drawingml/2006/main" xmlns:r="http://schemas.openxmlformats.org/officeDocument/2006/relationships" xmlns:p="http://schemas.openxmlformats.org/presentationml/2006/main">
+  <p:cSld>
+    <p:spTree>
+      <p:nvGrpSpPr>
+        <p:cNvPr id="1" name=""/>
+        <p:cNvGrpSpPr/>
+        <p:nvPr/>
+      </p:nvGrpSpPr>
+      <p:grpSpPr>
+        <a:xfrm>
+          <a:off x="0" y="0"/>
+          <a:ext cx="0" cy="0"/>
+          <a:chOff x="0" y="0"/>
+          <a:chExt cx="0" cy="0"/>
+        </a:xfrm>
+      </p:grpSpPr>
+      <p:sp>
+        <p:nvSpPr>
+          <p:cNvPr id="2" name="TextBox 1"/>
+          <p:cNvSpPr txBox="1"/>
+          <p:nvPr/>
+        </p:nvSpPr>
+        <p:spPr>
+          <a:xfrm>
+            <a:off x="4689229" y="309490"/>
+            <a:ext cx="3432517" cy="584775"/>
+          </a:xfrm>
+          <a:prstGeom prst="rect">
+            <a:avLst/>
+          </a:prstGeom>
+        </p:spPr>
+        <p:style>
+          <a:lnRef idx="2">
+            <a:schemeClr val="accent6"/>
+          </a:lnRef>
+          <a:fillRef idx="1">
+            <a:schemeClr val="lt1"/>
+          </a:fillRef>
+          <a:effectRef idx="0">
+            <a:schemeClr val="accent6"/>
+          </a:effectRef>
+          <a:fontRef idx="minor">
+            <a:schemeClr val="dk1"/>
+          </a:fontRef>
+        </p:style>
+        <p:txBody>
+          <a:bodyPr wrap="square" rtlCol="1">
+            <a:spAutoFit/>
+          </a:bodyPr>
+          <a:lstStyle/>
+          <a:p>
+            <a:pPr algn="ctr"/>
+            <a:r>
+              <a:rPr lang="fa-IR" sz="3200" dirty="0" smtClean="0"/>
+              <a:t>جدول استادان</a:t>
+            </a:r>
+            <a:endParaRPr lang="fa-IR" sz="3200" dirty="0"/>
+          </a:p>
+        </p:txBody>
+      </p:sp>
+      <p:graphicFrame>
+        <p:nvGraphicFramePr>
+          <p:cNvPr id="3" name="Table 2"/>
+          <p:cNvGraphicFramePr>
+            <a:graphicFrameLocks noGrp="1"/>
+          </p:cNvGraphicFramePr>
+          <p:nvPr>
+            <p:extLst>
+              <p:ext uri="{D42A27DB-BD31-4B8C-83A1-F6EECF244321}">
+                <p14:modId xmlns:p14="http://schemas.microsoft.com/office/powerpoint/2010/main" val="678478763"/>
               </p:ext>
             </p:extLst>
           </p:nvPr>
@@ -4696,7 +4864,7 @@
                       <a:pPr algn="ctr" rtl="1"/>
                       <a:r>
                         <a:rPr lang="fa-IR" dirty="0" smtClean="0"/>
-                        <a:t>ایمیل</a:t>
+                        <a:t>تخصص</a:t>
                       </a:r>
                       <a:endParaRPr lang="fa-IR" dirty="0"/>
                     </a:p>
@@ -4711,7 +4879,7 @@
                       <a:pPr algn="ctr" rtl="1"/>
                       <a:r>
                         <a:rPr lang="fa-IR" dirty="0" smtClean="0"/>
-                        <a:t>رمز عبور</a:t>
+                        <a:t>عکس استاد</a:t>
                       </a:r>
                       <a:endParaRPr lang="fa-IR" dirty="0"/>
                     </a:p>
@@ -4731,17 +4899,6 @@
                     <a:lstStyle/>
                     <a:p>
                       <a:pPr algn="ctr" rtl="1"/>
-                      <a:endParaRPr lang="fa-IR" dirty="0"/>
-                    </a:p>
-                  </a:txBody>
-                  <a:tcPr/>
-                </a:tc>
-                <a:tc>
-                  <a:txBody>
-                    <a:bodyPr/>
-                    <a:lstStyle/>
-                    <a:p>
-                      <a:pPr algn="ctr" rtl="1"/>
                       <a:endParaRPr lang="fa-IR"/>
                     </a:p>
                   </a:txBody>
@@ -4764,263 +4921,7 @@
                     <a:lstStyle/>
                     <a:p>
                       <a:pPr algn="ctr" rtl="1"/>
-                      <a:endParaRPr lang="fa-IR"/>
-                    </a:p>
-                  </a:txBody>
-                  <a:tcPr/>
-                </a:tc>
-                <a:extLst>
-                  <a:ext uri="{0D108BD9-81ED-4DB2-BD59-A6C34878D82A}">
-                    <a16:rowId xmlns:a16="http://schemas.microsoft.com/office/drawing/2014/main" val="1424492340"/>
-                  </a:ext>
-                </a:extLst>
-              </a:tr>
-              <a:tr h="1350499">
-                <a:tc>
-                  <a:txBody>
-                    <a:bodyPr/>
-                    <a:lstStyle/>
-                    <a:p>
-                      <a:pPr algn="ctr" rtl="1"/>
-                      <a:endParaRPr lang="fa-IR"/>
-                    </a:p>
-                  </a:txBody>
-                  <a:tcPr/>
-                </a:tc>
-                <a:tc>
-                  <a:txBody>
-                    <a:bodyPr/>
-                    <a:lstStyle/>
-                    <a:p>
-                      <a:pPr algn="ctr" rtl="1"/>
-                      <a:endParaRPr lang="fa-IR"/>
-                    </a:p>
-                  </a:txBody>
-                  <a:tcPr/>
-                </a:tc>
-                <a:tc>
-                  <a:txBody>
-                    <a:bodyPr/>
-                    <a:lstStyle/>
-                    <a:p>
-                      <a:pPr algn="ctr" rtl="1"/>
-                      <a:endParaRPr lang="fa-IR"/>
-                    </a:p>
-                  </a:txBody>
-                  <a:tcPr/>
-                </a:tc>
-                <a:tc>
-                  <a:txBody>
-                    <a:bodyPr/>
-                    <a:lstStyle/>
-                    <a:p>
-                      <a:pPr algn="ctr" rtl="1"/>
-                      <a:endParaRPr lang="fa-IR"/>
-                    </a:p>
-                  </a:txBody>
-                  <a:tcPr/>
-                </a:tc>
-                <a:extLst>
-                  <a:ext uri="{0D108BD9-81ED-4DB2-BD59-A6C34878D82A}">
-                    <a16:rowId xmlns:a16="http://schemas.microsoft.com/office/drawing/2014/main" val="2935914181"/>
-                  </a:ext>
-                </a:extLst>
-              </a:tr>
-              <a:tr h="1350499">
-                <a:tc>
-                  <a:txBody>
-                    <a:bodyPr/>
-                    <a:lstStyle/>
-                    <a:p>
-                      <a:pPr algn="ctr" rtl="1"/>
-                      <a:endParaRPr lang="fa-IR" dirty="0"/>
-                    </a:p>
-                  </a:txBody>
-                  <a:tcPr/>
-                </a:tc>
-                <a:tc>
-                  <a:txBody>
-                    <a:bodyPr/>
-                    <a:lstStyle/>
-                    <a:p>
-                      <a:pPr algn="ctr" rtl="1"/>
-                      <a:endParaRPr lang="fa-IR"/>
-                    </a:p>
-                  </a:txBody>
-                  <a:tcPr/>
-                </a:tc>
-                <a:tc>
-                  <a:txBody>
-                    <a:bodyPr/>
-                    <a:lstStyle/>
-                    <a:p>
-                      <a:pPr algn="ctr" rtl="1"/>
-                      <a:endParaRPr lang="fa-IR"/>
-                    </a:p>
-                  </a:txBody>
-                  <a:tcPr/>
-                </a:tc>
-                <a:tc>
-                  <a:txBody>
-                    <a:bodyPr/>
-                    <a:lstStyle/>
-                    <a:p>
-                      <a:pPr algn="ctr" rtl="1"/>
-                      <a:endParaRPr lang="fa-IR" dirty="0"/>
-                    </a:p>
-                  </a:txBody>
-                  <a:tcPr/>
-                </a:tc>
-                <a:extLst>
-                  <a:ext uri="{0D108BD9-81ED-4DB2-BD59-A6C34878D82A}">
-                    <a16:rowId xmlns:a16="http://schemas.microsoft.com/office/drawing/2014/main" val="2313073884"/>
-                  </a:ext>
-                </a:extLst>
-              </a:tr>
-            </a:tbl>
-          </a:graphicData>
-        </a:graphic>
-      </p:graphicFrame>
-    </p:spTree>
-    <p:extLst>
-      <p:ext uri="{BB962C8B-B14F-4D97-AF65-F5344CB8AC3E}">
-        <p14:creationId xmlns:p14="http://schemas.microsoft.com/office/powerpoint/2010/main" val="3927142353"/>
-      </p:ext>
-    </p:extLst>
-  </p:cSld>
-  <p:clrMapOvr>
-    <a:masterClrMapping/>
-  </p:clrMapOvr>
-</p:sld>
-</file>
-
-<file path=ppt/slides/slide3.xml><?xml version="1.0" encoding="utf-8"?>
-<p:sld xmlns:a="http://schemas.openxmlformats.org/drawingml/2006/main" xmlns:r="http://schemas.openxmlformats.org/officeDocument/2006/relationships" xmlns:p="http://schemas.openxmlformats.org/presentationml/2006/main">
-  <p:cSld>
-    <p:spTree>
-      <p:nvGrpSpPr>
-        <p:cNvPr id="1" name=""/>
-        <p:cNvGrpSpPr/>
-        <p:nvPr/>
-      </p:nvGrpSpPr>
-      <p:grpSpPr>
-        <a:xfrm>
-          <a:off x="0" y="0"/>
-          <a:ext cx="0" cy="0"/>
-          <a:chOff x="0" y="0"/>
-          <a:chExt cx="0" cy="0"/>
-        </a:xfrm>
-      </p:grpSpPr>
-      <p:sp>
-        <p:nvSpPr>
-          <p:cNvPr id="2" name="TextBox 1"/>
-          <p:cNvSpPr txBox="1"/>
-          <p:nvPr/>
-        </p:nvSpPr>
-        <p:spPr>
-          <a:xfrm>
-            <a:off x="4689229" y="309490"/>
-            <a:ext cx="3432517" cy="584775"/>
-          </a:xfrm>
-          <a:prstGeom prst="rect">
-            <a:avLst/>
-          </a:prstGeom>
-        </p:spPr>
-        <p:style>
-          <a:lnRef idx="2">
-            <a:schemeClr val="accent6"/>
-          </a:lnRef>
-          <a:fillRef idx="1">
-            <a:schemeClr val="lt1"/>
-          </a:fillRef>
-          <a:effectRef idx="0">
-            <a:schemeClr val="accent6"/>
-          </a:effectRef>
-          <a:fontRef idx="minor">
-            <a:schemeClr val="dk1"/>
-          </a:fontRef>
-        </p:style>
-        <p:txBody>
-          <a:bodyPr wrap="square" rtlCol="1">
-            <a:spAutoFit/>
-          </a:bodyPr>
-          <a:lstStyle/>
-          <a:p>
-            <a:pPr algn="ctr"/>
-            <a:r>
-              <a:rPr lang="fa-IR" sz="3200" dirty="0" smtClean="0"/>
-              <a:t>جدول استادان</a:t>
-            </a:r>
-            <a:endParaRPr lang="fa-IR" sz="3200" dirty="0"/>
-          </a:p>
-        </p:txBody>
-      </p:sp>
-      <p:graphicFrame>
-        <p:nvGraphicFramePr>
-          <p:cNvPr id="3" name="Table 2"/>
-          <p:cNvGraphicFramePr>
-            <a:graphicFrameLocks noGrp="1"/>
-          </p:cNvGraphicFramePr>
-          <p:nvPr>
-            <p:extLst>
-              <p:ext uri="{D42A27DB-BD31-4B8C-83A1-F6EECF244321}">
-                <p14:modId xmlns:p14="http://schemas.microsoft.com/office/powerpoint/2010/main" val="1644428248"/>
-              </p:ext>
-            </p:extLst>
-          </p:nvPr>
-        </p:nvGraphicFramePr>
-        <p:xfrm>
-          <a:off x="1111349" y="1181684"/>
-          <a:ext cx="10128736" cy="5401996"/>
-        </p:xfrm>
-        <a:graphic>
-          <a:graphicData uri="http://schemas.openxmlformats.org/drawingml/2006/table">
-            <a:tbl>
-              <a:tblPr rtl="1" firstRow="1" bandRow="1">
-                <a:tableStyleId>{93296810-A885-4BE3-A3E7-6D5BEEA58F35}</a:tableStyleId>
-              </a:tblPr>
-              <a:tblGrid>
-                <a:gridCol w="2532184">
-                  <a:extLst>
-                    <a:ext uri="{9D8B030D-6E8A-4147-A177-3AD203B41FA5}">
-                      <a16:colId xmlns:a16="http://schemas.microsoft.com/office/drawing/2014/main" val="4103901997"/>
-                    </a:ext>
-                  </a:extLst>
-                </a:gridCol>
-                <a:gridCol w="2532184">
-                  <a:extLst>
-                    <a:ext uri="{9D8B030D-6E8A-4147-A177-3AD203B41FA5}">
-                      <a16:colId xmlns:a16="http://schemas.microsoft.com/office/drawing/2014/main" val="4199945654"/>
-                    </a:ext>
-                  </a:extLst>
-                </a:gridCol>
-                <a:gridCol w="2532184">
-                  <a:extLst>
-                    <a:ext uri="{9D8B030D-6E8A-4147-A177-3AD203B41FA5}">
-                      <a16:colId xmlns:a16="http://schemas.microsoft.com/office/drawing/2014/main" val="1273743323"/>
-                    </a:ext>
-                  </a:extLst>
-                </a:gridCol>
-                <a:gridCol w="2532184">
-                  <a:extLst>
-                    <a:ext uri="{9D8B030D-6E8A-4147-A177-3AD203B41FA5}">
-                      <a16:colId xmlns:a16="http://schemas.microsoft.com/office/drawing/2014/main" val="1908589989"/>
-                    </a:ext>
-                  </a:extLst>
-                </a:gridCol>
-              </a:tblGrid>
-              <a:tr h="1350499">
-                <a:tc>
-                  <a:txBody>
-                    <a:bodyPr/>
-                    <a:lstStyle/>
-                    <a:p>
-                      <a:pPr algn="ctr" rtl="1"/>
-                      <a:r>
-                        <a:rPr lang="fa-IR" sz="2400" dirty="0" smtClean="0"/>
-                        <a:t>نام</a:t>
-                      </a:r>
-                      <a:endParaRPr lang="fa-IR" sz="2400" dirty="0"/>
+                      <a:endParaRPr lang="fa-IR" dirty="0"/>
                     </a:p>
                   </a:txBody>
                   <a:tcPr/>
@@ -5033,90 +4934,9 @@
                       <a:pPr algn="ctr" rtl="1"/>
                       <a:r>
                         <a:rPr lang="fa-IR" dirty="0" smtClean="0"/>
-                        <a:t>نام خانوادگی</a:t>
+                        <a:t>ایدی</a:t>
                       </a:r>
                       <a:endParaRPr lang="fa-IR" dirty="0"/>
-                    </a:p>
-                  </a:txBody>
-                  <a:tcPr/>
-                </a:tc>
-                <a:tc>
-                  <a:txBody>
-                    <a:bodyPr/>
-                    <a:lstStyle/>
-                    <a:p>
-                      <a:pPr algn="ctr" rtl="1"/>
-                      <a:r>
-                        <a:rPr lang="fa-IR" dirty="0" smtClean="0"/>
-                        <a:t>تخصص</a:t>
-                      </a:r>
-                      <a:endParaRPr lang="fa-IR" dirty="0"/>
-                    </a:p>
-                  </a:txBody>
-                  <a:tcPr/>
-                </a:tc>
-                <a:tc>
-                  <a:txBody>
-                    <a:bodyPr/>
-                    <a:lstStyle/>
-                    <a:p>
-                      <a:pPr algn="ctr" rtl="1"/>
-                      <a:r>
-                        <a:rPr lang="fa-IR" dirty="0" smtClean="0"/>
-                        <a:t>عکس استاد</a:t>
-                      </a:r>
-                      <a:endParaRPr lang="fa-IR" dirty="0"/>
-                    </a:p>
-                  </a:txBody>
-                  <a:tcPr/>
-                </a:tc>
-                <a:extLst>
-                  <a:ext uri="{0D108BD9-81ED-4DB2-BD59-A6C34878D82A}">
-                    <a16:rowId xmlns:a16="http://schemas.microsoft.com/office/drawing/2014/main" val="1569810922"/>
-                  </a:ext>
-                </a:extLst>
-              </a:tr>
-              <a:tr h="1350499">
-                <a:tc>
-                  <a:txBody>
-                    <a:bodyPr/>
-                    <a:lstStyle/>
-                    <a:p>
-                      <a:pPr algn="ctr" rtl="1"/>
-                      <a:endParaRPr lang="fa-IR"/>
-                    </a:p>
-                  </a:txBody>
-                  <a:tcPr/>
-                </a:tc>
-                <a:tc>
-                  <a:txBody>
-                    <a:bodyPr/>
-                    <a:lstStyle/>
-                    <a:p>
-                      <a:pPr algn="ctr" rtl="1"/>
-                      <a:endParaRPr lang="fa-IR"/>
-                    </a:p>
-                  </a:txBody>
-                  <a:tcPr/>
-                </a:tc>
-                <a:tc>
-                  <a:txBody>
-                    <a:bodyPr/>
-                    <a:lstStyle/>
-                    <a:p>
-                      <a:pPr algn="ctr" rtl="1"/>
-                      <a:endParaRPr lang="fa-IR"/>
-                    </a:p>
-                  </a:txBody>
-                  <a:tcPr/>
-                </a:tc>
-                <a:tc>
-                  <a:txBody>
-                    <a:bodyPr/>
-                    <a:lstStyle/>
-                    <a:p>
-                      <a:pPr algn="ctr" rtl="1"/>
-                      <a:endParaRPr lang="fa-IR"/>
                     </a:p>
                   </a:txBody>
                   <a:tcPr/>
@@ -5301,7 +5121,11 @@
             <a:pPr algn="ctr"/>
             <a:r>
               <a:rPr lang="fa-IR" sz="3200" dirty="0" smtClean="0"/>
-              <a:t>جدول آزمون</a:t>
+              <a:t>جدول </a:t>
+            </a:r>
+            <a:r>
+              <a:rPr lang="fa-IR" sz="3200" dirty="0" smtClean="0"/>
+              <a:t>سوال</a:t>
             </a:r>
             <a:endParaRPr lang="fa-IR" sz="3200" dirty="0"/>
           </a:p>
@@ -5316,14 +5140,14 @@
           <p:nvPr>
             <p:extLst>
               <p:ext uri="{D42A27DB-BD31-4B8C-83A1-F6EECF244321}">
-                <p14:modId xmlns:p14="http://schemas.microsoft.com/office/powerpoint/2010/main" val="4006921514"/>
+                <p14:modId xmlns:p14="http://schemas.microsoft.com/office/powerpoint/2010/main" val="3069103984"/>
               </p:ext>
             </p:extLst>
           </p:nvPr>
         </p:nvGraphicFramePr>
         <p:xfrm>
-          <a:off x="1111350" y="1181684"/>
-          <a:ext cx="10128735" cy="5401996"/>
+          <a:off x="4689229" y="1103307"/>
+          <a:ext cx="3376246" cy="5401996"/>
         </p:xfrm>
         <a:graphic>
           <a:graphicData uri="http://schemas.openxmlformats.org/drawingml/2006/table">
@@ -5332,43 +5156,37 @@
                 <a:tableStyleId>{93296810-A885-4BE3-A3E7-6D5BEEA58F35}</a:tableStyleId>
               </a:tblPr>
               <a:tblGrid>
-                <a:gridCol w="2025747">
+                <a:gridCol w="1688123">
+                  <a:extLst>
+                    <a:ext uri="{9D8B030D-6E8A-4147-A177-3AD203B41FA5}">
+                      <a16:colId xmlns:a16="http://schemas.microsoft.com/office/drawing/2014/main" val="2327154728"/>
+                    </a:ext>
+                  </a:extLst>
+                </a:gridCol>
+                <a:gridCol w="1688123">
                   <a:extLst>
                     <a:ext uri="{9D8B030D-6E8A-4147-A177-3AD203B41FA5}">
                       <a16:colId xmlns:a16="http://schemas.microsoft.com/office/drawing/2014/main" val="4103901997"/>
                     </a:ext>
                   </a:extLst>
                 </a:gridCol>
-                <a:gridCol w="2025747">
-                  <a:extLst>
-                    <a:ext uri="{9D8B030D-6E8A-4147-A177-3AD203B41FA5}">
-                      <a16:colId xmlns:a16="http://schemas.microsoft.com/office/drawing/2014/main" val="4199945654"/>
-                    </a:ext>
-                  </a:extLst>
-                </a:gridCol>
-                <a:gridCol w="2025747">
-                  <a:extLst>
-                    <a:ext uri="{9D8B030D-6E8A-4147-A177-3AD203B41FA5}">
-                      <a16:colId xmlns:a16="http://schemas.microsoft.com/office/drawing/2014/main" val="1273743323"/>
-                    </a:ext>
-                  </a:extLst>
-                </a:gridCol>
-                <a:gridCol w="2025747">
-                  <a:extLst>
-                    <a:ext uri="{9D8B030D-6E8A-4147-A177-3AD203B41FA5}">
-                      <a16:colId xmlns:a16="http://schemas.microsoft.com/office/drawing/2014/main" val="1908589989"/>
-                    </a:ext>
-                  </a:extLst>
-                </a:gridCol>
-                <a:gridCol w="2025747">
-                  <a:extLst>
-                    <a:ext uri="{9D8B030D-6E8A-4147-A177-3AD203B41FA5}">
-                      <a16:colId xmlns:a16="http://schemas.microsoft.com/office/drawing/2014/main" val="2292854694"/>
-                    </a:ext>
-                  </a:extLst>
-                </a:gridCol>
               </a:tblGrid>
               <a:tr h="1350499">
+                <a:tc>
+                  <a:txBody>
+                    <a:bodyPr/>
+                    <a:lstStyle/>
+                    <a:p>
+                      <a:pPr algn="ctr" rtl="1"/>
+                      <a:r>
+                        <a:rPr lang="fa-IR" sz="2400" dirty="0" smtClean="0"/>
+                        <a:t>آیدی</a:t>
+                      </a:r>
+                      <a:endParaRPr lang="fa-IR" sz="2400" dirty="0"/>
+                    </a:p>
+                  </a:txBody>
+                  <a:tcPr/>
+                </a:tc>
                 <a:tc>
                   <a:txBody>
                     <a:bodyPr/>
@@ -5380,78 +5198,6 @@
                         <a:t>عنوان سوال</a:t>
                       </a:r>
                       <a:endParaRPr lang="fa-IR" sz="2400" dirty="0"/>
-                    </a:p>
-                  </a:txBody>
-                  <a:tcPr/>
-                </a:tc>
-                <a:tc>
-                  <a:txBody>
-                    <a:bodyPr/>
-                    <a:lstStyle/>
-                    <a:p>
-                      <a:pPr algn="ctr" rtl="1"/>
-                      <a:r>
-                        <a:rPr lang="fa-IR" dirty="0" smtClean="0"/>
-                        <a:t>گزینه</a:t>
-                      </a:r>
-                      <a:r>
-                        <a:rPr lang="fa-IR" baseline="0" dirty="0" smtClean="0"/>
-                        <a:t> یک</a:t>
-                      </a:r>
-                      <a:endParaRPr lang="fa-IR" dirty="0"/>
-                    </a:p>
-                  </a:txBody>
-                  <a:tcPr/>
-                </a:tc>
-                <a:tc>
-                  <a:txBody>
-                    <a:bodyPr/>
-                    <a:lstStyle/>
-                    <a:p>
-                      <a:pPr algn="ctr" rtl="1"/>
-                      <a:r>
-                        <a:rPr lang="fa-IR" dirty="0" smtClean="0"/>
-                        <a:t>گزینه</a:t>
-                      </a:r>
-                      <a:r>
-                        <a:rPr lang="fa-IR" baseline="0" dirty="0" smtClean="0"/>
-                        <a:t> دو</a:t>
-                      </a:r>
-                      <a:endParaRPr lang="fa-IR" dirty="0"/>
-                    </a:p>
-                  </a:txBody>
-                  <a:tcPr/>
-                </a:tc>
-                <a:tc>
-                  <a:txBody>
-                    <a:bodyPr/>
-                    <a:lstStyle/>
-                    <a:p>
-                      <a:pPr algn="ctr" rtl="1"/>
-                      <a:r>
-                        <a:rPr lang="fa-IR" dirty="0" smtClean="0"/>
-                        <a:t>گزینه سه</a:t>
-                      </a:r>
-                      <a:endParaRPr lang="fa-IR" dirty="0"/>
-                    </a:p>
-                  </a:txBody>
-                  <a:tcPr/>
-                </a:tc>
-                <a:tc>
-                  <a:txBody>
-                    <a:bodyPr/>
-                    <a:lstStyle/>
-                    <a:p>
-                      <a:pPr algn="ctr" rtl="1"/>
-                      <a:r>
-                        <a:rPr lang="fa-IR" dirty="0" smtClean="0"/>
-                        <a:t>گزینه</a:t>
-                      </a:r>
-                      <a:r>
-                        <a:rPr lang="fa-IR" baseline="0" dirty="0" smtClean="0"/>
-                        <a:t> چهار</a:t>
-                      </a:r>
-                      <a:endParaRPr lang="fa-IR" dirty="0"/>
                     </a:p>
                   </a:txBody>
                   <a:tcPr/>
@@ -5485,39 +5231,6 @@
                   </a:txBody>
                   <a:tcPr/>
                 </a:tc>
-                <a:tc>
-                  <a:txBody>
-                    <a:bodyPr/>
-                    <a:lstStyle/>
-                    <a:p>
-                      <a:pPr algn="ctr" rtl="1"/>
-                      <a:endParaRPr lang="fa-IR"/>
-                    </a:p>
-                  </a:txBody>
-                  <a:tcPr/>
-                </a:tc>
-                <a:tc>
-                  <a:txBody>
-                    <a:bodyPr/>
-                    <a:lstStyle/>
-                    <a:p>
-                      <a:pPr algn="ctr" rtl="1"/>
-                      <a:endParaRPr lang="fa-IR"/>
-                    </a:p>
-                  </a:txBody>
-                  <a:tcPr/>
-                </a:tc>
-                <a:tc>
-                  <a:txBody>
-                    <a:bodyPr/>
-                    <a:lstStyle/>
-                    <a:p>
-                      <a:pPr algn="ctr" rtl="1"/>
-                      <a:endParaRPr lang="fa-IR"/>
-                    </a:p>
-                  </a:txBody>
-                  <a:tcPr/>
-                </a:tc>
                 <a:extLst>
                   <a:ext uri="{0D108BD9-81ED-4DB2-BD59-A6C34878D82A}">
                     <a16:rowId xmlns:a16="http://schemas.microsoft.com/office/drawing/2014/main" val="1424492340"/>
@@ -5547,39 +5260,6 @@
                   </a:txBody>
                   <a:tcPr/>
                 </a:tc>
-                <a:tc>
-                  <a:txBody>
-                    <a:bodyPr/>
-                    <a:lstStyle/>
-                    <a:p>
-                      <a:pPr algn="ctr" rtl="1"/>
-                      <a:endParaRPr lang="fa-IR"/>
-                    </a:p>
-                  </a:txBody>
-                  <a:tcPr/>
-                </a:tc>
-                <a:tc>
-                  <a:txBody>
-                    <a:bodyPr/>
-                    <a:lstStyle/>
-                    <a:p>
-                      <a:pPr algn="ctr" rtl="1"/>
-                      <a:endParaRPr lang="fa-IR"/>
-                    </a:p>
-                  </a:txBody>
-                  <a:tcPr/>
-                </a:tc>
-                <a:tc>
-                  <a:txBody>
-                    <a:bodyPr/>
-                    <a:lstStyle/>
-                    <a:p>
-                      <a:pPr algn="ctr" rtl="1"/>
-                      <a:endParaRPr lang="fa-IR"/>
-                    </a:p>
-                  </a:txBody>
-                  <a:tcPr/>
-                </a:tc>
                 <a:extLst>
                   <a:ext uri="{0D108BD9-81ED-4DB2-BD59-A6C34878D82A}">
                     <a16:rowId xmlns:a16="http://schemas.microsoft.com/office/drawing/2014/main" val="2935914181"/>
@@ -5587,39 +5267,6 @@
                 </a:extLst>
               </a:tr>
               <a:tr h="1350499">
-                <a:tc>
-                  <a:txBody>
-                    <a:bodyPr/>
-                    <a:lstStyle/>
-                    <a:p>
-                      <a:pPr algn="ctr" rtl="1"/>
-                      <a:endParaRPr lang="fa-IR" dirty="0"/>
-                    </a:p>
-                  </a:txBody>
-                  <a:tcPr/>
-                </a:tc>
-                <a:tc>
-                  <a:txBody>
-                    <a:bodyPr/>
-                    <a:lstStyle/>
-                    <a:p>
-                      <a:pPr algn="ctr" rtl="1"/>
-                      <a:endParaRPr lang="fa-IR"/>
-                    </a:p>
-                  </a:txBody>
-                  <a:tcPr/>
-                </a:tc>
-                <a:tc>
-                  <a:txBody>
-                    <a:bodyPr/>
-                    <a:lstStyle/>
-                    <a:p>
-                      <a:pPr algn="ctr" rtl="1"/>
-                      <a:endParaRPr lang="fa-IR" dirty="0"/>
-                    </a:p>
-                  </a:txBody>
-                  <a:tcPr/>
-                </a:tc>
                 <a:tc>
                   <a:txBody>
                     <a:bodyPr/>
@@ -5720,6 +5367,260 @@
             <a:pPr algn="ctr"/>
             <a:r>
               <a:rPr lang="fa-IR" sz="3200" dirty="0" smtClean="0"/>
+              <a:t>جدول </a:t>
+            </a:r>
+            <a:r>
+              <a:rPr lang="fa-IR" sz="3200" dirty="0" smtClean="0"/>
+              <a:t>گزینه ها</a:t>
+            </a:r>
+            <a:endParaRPr lang="fa-IR" sz="3200" dirty="0"/>
+          </a:p>
+        </p:txBody>
+      </p:sp>
+      <p:graphicFrame>
+        <p:nvGraphicFramePr>
+          <p:cNvPr id="3" name="Table 2"/>
+          <p:cNvGraphicFramePr>
+            <a:graphicFrameLocks noGrp="1"/>
+          </p:cNvGraphicFramePr>
+          <p:nvPr>
+            <p:extLst>
+              <p:ext uri="{D42A27DB-BD31-4B8C-83A1-F6EECF244321}">
+                <p14:modId xmlns:p14="http://schemas.microsoft.com/office/powerpoint/2010/main" val="549644863"/>
+              </p:ext>
+            </p:extLst>
+          </p:nvPr>
+        </p:nvGraphicFramePr>
+        <p:xfrm>
+          <a:off x="4379740" y="1168621"/>
+          <a:ext cx="4051494" cy="5401996"/>
+        </p:xfrm>
+        <a:graphic>
+          <a:graphicData uri="http://schemas.openxmlformats.org/drawingml/2006/table">
+            <a:tbl>
+              <a:tblPr rtl="1" firstRow="1" bandRow="1">
+                <a:tableStyleId>{93296810-A885-4BE3-A3E7-6D5BEEA58F35}</a:tableStyleId>
+              </a:tblPr>
+              <a:tblGrid>
+                <a:gridCol w="2025747">
+                  <a:extLst>
+                    <a:ext uri="{9D8B030D-6E8A-4147-A177-3AD203B41FA5}">
+                      <a16:colId xmlns:a16="http://schemas.microsoft.com/office/drawing/2014/main" val="4103901997"/>
+                    </a:ext>
+                  </a:extLst>
+                </a:gridCol>
+                <a:gridCol w="2025747">
+                  <a:extLst>
+                    <a:ext uri="{9D8B030D-6E8A-4147-A177-3AD203B41FA5}">
+                      <a16:colId xmlns:a16="http://schemas.microsoft.com/office/drawing/2014/main" val="4199945654"/>
+                    </a:ext>
+                  </a:extLst>
+                </a:gridCol>
+              </a:tblGrid>
+              <a:tr h="1350499">
+                <a:tc>
+                  <a:txBody>
+                    <a:bodyPr/>
+                    <a:lstStyle/>
+                    <a:p>
+                      <a:pPr algn="ctr" rtl="1"/>
+                      <a:r>
+                        <a:rPr lang="fa-IR" sz="2400" dirty="0" smtClean="0"/>
+                        <a:t>آیدی</a:t>
+                      </a:r>
+                      <a:endParaRPr lang="fa-IR" sz="2400" dirty="0"/>
+                    </a:p>
+                  </a:txBody>
+                  <a:tcPr/>
+                </a:tc>
+                <a:tc>
+                  <a:txBody>
+                    <a:bodyPr/>
+                    <a:lstStyle/>
+                    <a:p>
+                      <a:pPr algn="ctr" rtl="1"/>
+                      <a:r>
+                        <a:rPr lang="fa-IR" dirty="0" smtClean="0"/>
+                        <a:t>گزینه</a:t>
+                      </a:r>
+                      <a:r>
+                        <a:rPr lang="fa-IR" baseline="0" dirty="0" smtClean="0"/>
+                        <a:t> </a:t>
+                      </a:r>
+                      <a:r>
+                        <a:rPr lang="fa-IR" baseline="0" dirty="0" smtClean="0"/>
+                        <a:t>ها</a:t>
+                      </a:r>
+                      <a:endParaRPr lang="fa-IR" dirty="0"/>
+                    </a:p>
+                  </a:txBody>
+                  <a:tcPr/>
+                </a:tc>
+                <a:extLst>
+                  <a:ext uri="{0D108BD9-81ED-4DB2-BD59-A6C34878D82A}">
+                    <a16:rowId xmlns:a16="http://schemas.microsoft.com/office/drawing/2014/main" val="1569810922"/>
+                  </a:ext>
+                </a:extLst>
+              </a:tr>
+              <a:tr h="1350499">
+                <a:tc>
+                  <a:txBody>
+                    <a:bodyPr/>
+                    <a:lstStyle/>
+                    <a:p>
+                      <a:pPr algn="ctr" rtl="1"/>
+                      <a:endParaRPr lang="fa-IR"/>
+                    </a:p>
+                  </a:txBody>
+                  <a:tcPr/>
+                </a:tc>
+                <a:tc>
+                  <a:txBody>
+                    <a:bodyPr/>
+                    <a:lstStyle/>
+                    <a:p>
+                      <a:pPr algn="ctr" rtl="1"/>
+                      <a:endParaRPr lang="fa-IR"/>
+                    </a:p>
+                  </a:txBody>
+                  <a:tcPr/>
+                </a:tc>
+                <a:extLst>
+                  <a:ext uri="{0D108BD9-81ED-4DB2-BD59-A6C34878D82A}">
+                    <a16:rowId xmlns:a16="http://schemas.microsoft.com/office/drawing/2014/main" val="1424492340"/>
+                  </a:ext>
+                </a:extLst>
+              </a:tr>
+              <a:tr h="1350499">
+                <a:tc>
+                  <a:txBody>
+                    <a:bodyPr/>
+                    <a:lstStyle/>
+                    <a:p>
+                      <a:pPr algn="ctr" rtl="1"/>
+                      <a:endParaRPr lang="fa-IR"/>
+                    </a:p>
+                  </a:txBody>
+                  <a:tcPr/>
+                </a:tc>
+                <a:tc>
+                  <a:txBody>
+                    <a:bodyPr/>
+                    <a:lstStyle/>
+                    <a:p>
+                      <a:pPr algn="ctr" rtl="1"/>
+                      <a:endParaRPr lang="fa-IR"/>
+                    </a:p>
+                  </a:txBody>
+                  <a:tcPr/>
+                </a:tc>
+                <a:extLst>
+                  <a:ext uri="{0D108BD9-81ED-4DB2-BD59-A6C34878D82A}">
+                    <a16:rowId xmlns:a16="http://schemas.microsoft.com/office/drawing/2014/main" val="2935914181"/>
+                  </a:ext>
+                </a:extLst>
+              </a:tr>
+              <a:tr h="1350499">
+                <a:tc>
+                  <a:txBody>
+                    <a:bodyPr/>
+                    <a:lstStyle/>
+                    <a:p>
+                      <a:pPr algn="ctr" rtl="1"/>
+                      <a:endParaRPr lang="fa-IR" dirty="0"/>
+                    </a:p>
+                  </a:txBody>
+                  <a:tcPr/>
+                </a:tc>
+                <a:tc>
+                  <a:txBody>
+                    <a:bodyPr/>
+                    <a:lstStyle/>
+                    <a:p>
+                      <a:pPr algn="ctr" rtl="1"/>
+                      <a:endParaRPr lang="fa-IR" dirty="0"/>
+                    </a:p>
+                  </a:txBody>
+                  <a:tcPr/>
+                </a:tc>
+                <a:extLst>
+                  <a:ext uri="{0D108BD9-81ED-4DB2-BD59-A6C34878D82A}">
+                    <a16:rowId xmlns:a16="http://schemas.microsoft.com/office/drawing/2014/main" val="2313073884"/>
+                  </a:ext>
+                </a:extLst>
+              </a:tr>
+            </a:tbl>
+          </a:graphicData>
+        </a:graphic>
+      </p:graphicFrame>
+    </p:spTree>
+    <p:extLst>
+      <p:ext uri="{BB962C8B-B14F-4D97-AF65-F5344CB8AC3E}">
+        <p14:creationId xmlns:p14="http://schemas.microsoft.com/office/powerpoint/2010/main" val="3443055435"/>
+      </p:ext>
+    </p:extLst>
+  </p:cSld>
+  <p:clrMapOvr>
+    <a:masterClrMapping/>
+  </p:clrMapOvr>
+</p:sld>
+</file>
+
+<file path=ppt/slides/slide6.xml><?xml version="1.0" encoding="utf-8"?>
+<p:sld xmlns:a="http://schemas.openxmlformats.org/drawingml/2006/main" xmlns:r="http://schemas.openxmlformats.org/officeDocument/2006/relationships" xmlns:p="http://schemas.openxmlformats.org/presentationml/2006/main">
+  <p:cSld>
+    <p:spTree>
+      <p:nvGrpSpPr>
+        <p:cNvPr id="1" name=""/>
+        <p:cNvGrpSpPr/>
+        <p:nvPr/>
+      </p:nvGrpSpPr>
+      <p:grpSpPr>
+        <a:xfrm>
+          <a:off x="0" y="0"/>
+          <a:ext cx="0" cy="0"/>
+          <a:chOff x="0" y="0"/>
+          <a:chExt cx="0" cy="0"/>
+        </a:xfrm>
+      </p:grpSpPr>
+      <p:sp>
+        <p:nvSpPr>
+          <p:cNvPr id="2" name="TextBox 1"/>
+          <p:cNvSpPr txBox="1"/>
+          <p:nvPr/>
+        </p:nvSpPr>
+        <p:spPr>
+          <a:xfrm>
+            <a:off x="4689229" y="309490"/>
+            <a:ext cx="3432517" cy="584775"/>
+          </a:xfrm>
+          <a:prstGeom prst="rect">
+            <a:avLst/>
+          </a:prstGeom>
+        </p:spPr>
+        <p:style>
+          <a:lnRef idx="2">
+            <a:schemeClr val="accent6"/>
+          </a:lnRef>
+          <a:fillRef idx="1">
+            <a:schemeClr val="lt1"/>
+          </a:fillRef>
+          <a:effectRef idx="0">
+            <a:schemeClr val="accent6"/>
+          </a:effectRef>
+          <a:fontRef idx="minor">
+            <a:schemeClr val="dk1"/>
+          </a:fontRef>
+        </p:style>
+        <p:txBody>
+          <a:bodyPr wrap="square" rtlCol="1">
+            <a:spAutoFit/>
+          </a:bodyPr>
+          <a:lstStyle/>
+          <a:p>
+            <a:pPr algn="ctr"/>
+            <a:r>
+              <a:rPr lang="fa-IR" sz="3200" dirty="0" smtClean="0"/>
               <a:t>جدول مقالات</a:t>
             </a:r>
             <a:endParaRPr lang="fa-IR" sz="3200" dirty="0"/>
@@ -5843,18 +5744,18 @@
                     <a:lstStyle/>
                     <a:p>
                       <a:pPr algn="ctr" rtl="1"/>
-                      <a:endParaRPr lang="fa-IR"/>
-                    </a:p>
-                  </a:txBody>
-                  <a:tcPr/>
-                </a:tc>
-                <a:tc>
-                  <a:txBody>
-                    <a:bodyPr/>
-                    <a:lstStyle/>
-                    <a:p>
-                      <a:pPr algn="ctr" rtl="1"/>
-                      <a:endParaRPr lang="fa-IR"/>
+                      <a:endParaRPr lang="fa-IR" dirty="0"/>
+                    </a:p>
+                  </a:txBody>
+                  <a:tcPr/>
+                </a:tc>
+                <a:tc>
+                  <a:txBody>
+                    <a:bodyPr/>
+                    <a:lstStyle/>
+                    <a:p>
+                      <a:pPr algn="ctr" rtl="1"/>
+                      <a:endParaRPr lang="fa-IR" dirty="0"/>
                     </a:p>
                   </a:txBody>
                   <a:tcPr/>
@@ -5962,7 +5863,7 @@
 </p:sld>
 </file>
 
-<file path=ppt/slides/slide6.xml><?xml version="1.0" encoding="utf-8"?>
+<file path=ppt/slides/slide7.xml><?xml version="1.0" encoding="utf-8"?>
 <p:sld xmlns:a="http://schemas.openxmlformats.org/drawingml/2006/main" xmlns:r="http://schemas.openxmlformats.org/officeDocument/2006/relationships" xmlns:p="http://schemas.openxmlformats.org/presentationml/2006/main">
   <p:cSld>
     <p:spTree>
@@ -6017,7 +5918,11 @@
             <a:pPr algn="ctr"/>
             <a:r>
               <a:rPr lang="fa-IR" sz="3200" dirty="0" smtClean="0"/>
-              <a:t>جدول واژگان</a:t>
+              <a:t>جدول </a:t>
+            </a:r>
+            <a:r>
+              <a:rPr lang="fa-IR" sz="3200" dirty="0" smtClean="0"/>
+              <a:t>واژگان</a:t>
             </a:r>
             <a:endParaRPr lang="fa-IR" sz="3200" dirty="0"/>
           </a:p>
@@ -6140,7 +6045,7 @@
                     <a:lstStyle/>
                     <a:p>
                       <a:pPr algn="ctr" rtl="1"/>
-                      <a:endParaRPr lang="fa-IR"/>
+                      <a:endParaRPr lang="fa-IR" dirty="0"/>
                     </a:p>
                   </a:txBody>
                   <a:tcPr/>
@@ -6180,7 +6085,7 @@
                     <a:lstStyle/>
                     <a:p>
                       <a:pPr algn="ctr" rtl="1"/>
-                      <a:endParaRPr lang="fa-IR"/>
+                      <a:endParaRPr lang="fa-IR" dirty="0"/>
                     </a:p>
                   </a:txBody>
                   <a:tcPr/>
@@ -6220,7 +6125,7 @@
                     <a:lstStyle/>
                     <a:p>
                       <a:pPr algn="ctr" rtl="1"/>
-                      <a:endParaRPr lang="fa-IR"/>
+                      <a:endParaRPr lang="fa-IR" dirty="0"/>
                     </a:p>
                   </a:txBody>
                   <a:tcPr/>
@@ -6259,7 +6164,7 @@
 </p:sld>
 </file>
 
-<file path=ppt/slides/slide7.xml><?xml version="1.0" encoding="utf-8"?>
+<file path=ppt/slides/slide8.xml><?xml version="1.0" encoding="utf-8"?>
 <p:sld xmlns:a="http://schemas.openxmlformats.org/drawingml/2006/main" xmlns:r="http://schemas.openxmlformats.org/officeDocument/2006/relationships" xmlns:p="http://schemas.openxmlformats.org/presentationml/2006/main">
   <p:cSld>
     <p:spTree>
@@ -6448,7 +6353,7 @@
                     <a:lstStyle/>
                     <a:p>
                       <a:pPr algn="ctr" rtl="1"/>
-                      <a:endParaRPr lang="fa-IR"/>
+                      <a:endParaRPr lang="fa-IR" dirty="0"/>
                     </a:p>
                   </a:txBody>
                   <a:tcPr/>
@@ -6556,7 +6461,7 @@
 </p:sld>
 </file>
 
-<file path=ppt/slides/slide8.xml><?xml version="1.0" encoding="utf-8"?>
+<file path=ppt/slides/slide9.xml><?xml version="1.0" encoding="utf-8"?>
 <p:sld xmlns:a="http://schemas.openxmlformats.org/drawingml/2006/main" xmlns:r="http://schemas.openxmlformats.org/officeDocument/2006/relationships" xmlns:p="http://schemas.openxmlformats.org/presentationml/2006/main">
   <p:cSld>
     <p:spTree>
@@ -6844,303 +6749,6 @@
     <p:extLst>
       <p:ext uri="{BB962C8B-B14F-4D97-AF65-F5344CB8AC3E}">
         <p14:creationId xmlns:p14="http://schemas.microsoft.com/office/powerpoint/2010/main" val="2977178031"/>
-      </p:ext>
-    </p:extLst>
-  </p:cSld>
-  <p:clrMapOvr>
-    <a:masterClrMapping/>
-  </p:clrMapOvr>
-</p:sld>
-</file>
-
-<file path=ppt/slides/slide9.xml><?xml version="1.0" encoding="utf-8"?>
-<p:sld xmlns:a="http://schemas.openxmlformats.org/drawingml/2006/main" xmlns:r="http://schemas.openxmlformats.org/officeDocument/2006/relationships" xmlns:p="http://schemas.openxmlformats.org/presentationml/2006/main">
-  <p:cSld>
-    <p:spTree>
-      <p:nvGrpSpPr>
-        <p:cNvPr id="1" name=""/>
-        <p:cNvGrpSpPr/>
-        <p:nvPr/>
-      </p:nvGrpSpPr>
-      <p:grpSpPr>
-        <a:xfrm>
-          <a:off x="0" y="0"/>
-          <a:ext cx="0" cy="0"/>
-          <a:chOff x="0" y="0"/>
-          <a:chExt cx="0" cy="0"/>
-        </a:xfrm>
-      </p:grpSpPr>
-      <p:sp>
-        <p:nvSpPr>
-          <p:cNvPr id="2" name="TextBox 1"/>
-          <p:cNvSpPr txBox="1"/>
-          <p:nvPr/>
-        </p:nvSpPr>
-        <p:spPr>
-          <a:xfrm>
-            <a:off x="4689229" y="309490"/>
-            <a:ext cx="3432517" cy="584775"/>
-          </a:xfrm>
-          <a:prstGeom prst="rect">
-            <a:avLst/>
-          </a:prstGeom>
-        </p:spPr>
-        <p:style>
-          <a:lnRef idx="2">
-            <a:schemeClr val="accent6"/>
-          </a:lnRef>
-          <a:fillRef idx="1">
-            <a:schemeClr val="lt1"/>
-          </a:fillRef>
-          <a:effectRef idx="0">
-            <a:schemeClr val="accent6"/>
-          </a:effectRef>
-          <a:fontRef idx="minor">
-            <a:schemeClr val="dk1"/>
-          </a:fontRef>
-        </p:style>
-        <p:txBody>
-          <a:bodyPr wrap="square" rtlCol="1">
-            <a:spAutoFit/>
-          </a:bodyPr>
-          <a:lstStyle/>
-          <a:p>
-            <a:pPr algn="ctr"/>
-            <a:r>
-              <a:rPr lang="fa-IR" sz="3200" dirty="0" smtClean="0"/>
-              <a:t>جدول موسیقی</a:t>
-            </a:r>
-            <a:endParaRPr lang="fa-IR" sz="3200" dirty="0"/>
-          </a:p>
-        </p:txBody>
-      </p:sp>
-      <p:graphicFrame>
-        <p:nvGraphicFramePr>
-          <p:cNvPr id="3" name="Table 2"/>
-          <p:cNvGraphicFramePr>
-            <a:graphicFrameLocks noGrp="1"/>
-          </p:cNvGraphicFramePr>
-          <p:nvPr>
-            <p:extLst>
-              <p:ext uri="{D42A27DB-BD31-4B8C-83A1-F6EECF244321}">
-                <p14:modId xmlns:p14="http://schemas.microsoft.com/office/powerpoint/2010/main" val="2671377963"/>
-              </p:ext>
-            </p:extLst>
-          </p:nvPr>
-        </p:nvGraphicFramePr>
-        <p:xfrm>
-          <a:off x="3366866" y="1167616"/>
-          <a:ext cx="6077241" cy="5401996"/>
-        </p:xfrm>
-        <a:graphic>
-          <a:graphicData uri="http://schemas.openxmlformats.org/drawingml/2006/table">
-            <a:tbl>
-              <a:tblPr rtl="1" firstRow="1" bandRow="1">
-                <a:tableStyleId>{93296810-A885-4BE3-A3E7-6D5BEEA58F35}</a:tableStyleId>
-              </a:tblPr>
-              <a:tblGrid>
-                <a:gridCol w="2025747">
-                  <a:extLst>
-                    <a:ext uri="{9D8B030D-6E8A-4147-A177-3AD203B41FA5}">
-                      <a16:colId xmlns:a16="http://schemas.microsoft.com/office/drawing/2014/main" val="4103901997"/>
-                    </a:ext>
-                  </a:extLst>
-                </a:gridCol>
-                <a:gridCol w="2025747">
-                  <a:extLst>
-                    <a:ext uri="{9D8B030D-6E8A-4147-A177-3AD203B41FA5}">
-                      <a16:colId xmlns:a16="http://schemas.microsoft.com/office/drawing/2014/main" val="4199945654"/>
-                    </a:ext>
-                  </a:extLst>
-                </a:gridCol>
-                <a:gridCol w="2025747">
-                  <a:extLst>
-                    <a:ext uri="{9D8B030D-6E8A-4147-A177-3AD203B41FA5}">
-                      <a16:colId xmlns:a16="http://schemas.microsoft.com/office/drawing/2014/main" val="1273743323"/>
-                    </a:ext>
-                  </a:extLst>
-                </a:gridCol>
-              </a:tblGrid>
-              <a:tr h="1350499">
-                <a:tc>
-                  <a:txBody>
-                    <a:bodyPr/>
-                    <a:lstStyle/>
-                    <a:p>
-                      <a:pPr algn="ctr" rtl="1"/>
-                      <a:r>
-                        <a:rPr lang="fa-IR" sz="2400" dirty="0" smtClean="0"/>
-                        <a:t>عنوان</a:t>
-                      </a:r>
-                      <a:endParaRPr lang="fa-IR" sz="2400" dirty="0"/>
-                    </a:p>
-                  </a:txBody>
-                  <a:tcPr/>
-                </a:tc>
-                <a:tc>
-                  <a:txBody>
-                    <a:bodyPr/>
-                    <a:lstStyle/>
-                    <a:p>
-                      <a:pPr algn="ctr" rtl="1"/>
-                      <a:r>
-                        <a:rPr lang="fa-IR" dirty="0" smtClean="0"/>
-                        <a:t>کپشن</a:t>
-                      </a:r>
-                      <a:endParaRPr lang="fa-IR" dirty="0"/>
-                    </a:p>
-                  </a:txBody>
-                  <a:tcPr/>
-                </a:tc>
-                <a:tc>
-                  <a:txBody>
-                    <a:bodyPr/>
-                    <a:lstStyle/>
-                    <a:p>
-                      <a:pPr algn="ctr" rtl="1"/>
-                      <a:r>
-                        <a:rPr lang="fa-IR" dirty="0" smtClean="0"/>
-                        <a:t>موسیقی یا پادکست</a:t>
-                      </a:r>
-                      <a:endParaRPr lang="fa-IR" dirty="0"/>
-                    </a:p>
-                  </a:txBody>
-                  <a:tcPr/>
-                </a:tc>
-                <a:extLst>
-                  <a:ext uri="{0D108BD9-81ED-4DB2-BD59-A6C34878D82A}">
-                    <a16:rowId xmlns:a16="http://schemas.microsoft.com/office/drawing/2014/main" val="1569810922"/>
-                  </a:ext>
-                </a:extLst>
-              </a:tr>
-              <a:tr h="1350499">
-                <a:tc>
-                  <a:txBody>
-                    <a:bodyPr/>
-                    <a:lstStyle/>
-                    <a:p>
-                      <a:pPr algn="ctr" rtl="1"/>
-                      <a:endParaRPr lang="fa-IR"/>
-                    </a:p>
-                  </a:txBody>
-                  <a:tcPr/>
-                </a:tc>
-                <a:tc>
-                  <a:txBody>
-                    <a:bodyPr/>
-                    <a:lstStyle/>
-                    <a:p>
-                      <a:pPr algn="ctr" rtl="1"/>
-                      <a:endParaRPr lang="fa-IR"/>
-                    </a:p>
-                  </a:txBody>
-                  <a:tcPr/>
-                </a:tc>
-                <a:tc>
-                  <a:txBody>
-                    <a:bodyPr/>
-                    <a:lstStyle/>
-                    <a:p>
-                      <a:pPr algn="ctr" rtl="1"/>
-                      <a:endParaRPr lang="fa-IR"/>
-                    </a:p>
-                  </a:txBody>
-                  <a:tcPr/>
-                </a:tc>
-                <a:extLst>
-                  <a:ext uri="{0D108BD9-81ED-4DB2-BD59-A6C34878D82A}">
-                    <a16:rowId xmlns:a16="http://schemas.microsoft.com/office/drawing/2014/main" val="1424492340"/>
-                  </a:ext>
-                </a:extLst>
-              </a:tr>
-              <a:tr h="1350499">
-                <a:tc>
-                  <a:txBody>
-                    <a:bodyPr/>
-                    <a:lstStyle/>
-                    <a:p>
-                      <a:pPr algn="ctr" rtl="1"/>
-                      <a:endParaRPr lang="fa-IR"/>
-                    </a:p>
-                  </a:txBody>
-                  <a:tcPr/>
-                </a:tc>
-                <a:tc>
-                  <a:txBody>
-                    <a:bodyPr/>
-                    <a:lstStyle/>
-                    <a:p>
-                      <a:pPr algn="ctr" rtl="1"/>
-                      <a:endParaRPr lang="fa-IR"/>
-                    </a:p>
-                  </a:txBody>
-                  <a:tcPr/>
-                </a:tc>
-                <a:tc>
-                  <a:txBody>
-                    <a:bodyPr/>
-                    <a:lstStyle/>
-                    <a:p>
-                      <a:pPr algn="ctr" rtl="1"/>
-                      <a:endParaRPr lang="fa-IR"/>
-                    </a:p>
-                  </a:txBody>
-                  <a:tcPr/>
-                </a:tc>
-                <a:extLst>
-                  <a:ext uri="{0D108BD9-81ED-4DB2-BD59-A6C34878D82A}">
-                    <a16:rowId xmlns:a16="http://schemas.microsoft.com/office/drawing/2014/main" val="2935914181"/>
-                  </a:ext>
-                </a:extLst>
-              </a:tr>
-              <a:tr h="1350499">
-                <a:tc>
-                  <a:txBody>
-                    <a:bodyPr/>
-                    <a:lstStyle/>
-                    <a:p>
-                      <a:pPr algn="ctr" rtl="1"/>
-                      <a:endParaRPr lang="fa-IR" dirty="0"/>
-                    </a:p>
-                  </a:txBody>
-                  <a:tcPr/>
-                </a:tc>
-                <a:tc>
-                  <a:txBody>
-                    <a:bodyPr/>
-                    <a:lstStyle/>
-                    <a:p>
-                      <a:pPr algn="ctr" rtl="1"/>
-                      <a:endParaRPr lang="fa-IR"/>
-                    </a:p>
-                  </a:txBody>
-                  <a:tcPr/>
-                </a:tc>
-                <a:tc>
-                  <a:txBody>
-                    <a:bodyPr/>
-                    <a:lstStyle/>
-                    <a:p>
-                      <a:pPr algn="ctr" rtl="1"/>
-                      <a:endParaRPr lang="fa-IR" dirty="0"/>
-                    </a:p>
-                  </a:txBody>
-                  <a:tcPr/>
-                </a:tc>
-                <a:extLst>
-                  <a:ext uri="{0D108BD9-81ED-4DB2-BD59-A6C34878D82A}">
-                    <a16:rowId xmlns:a16="http://schemas.microsoft.com/office/drawing/2014/main" val="2313073884"/>
-                  </a:ext>
-                </a:extLst>
-              </a:tr>
-            </a:tbl>
-          </a:graphicData>
-        </a:graphic>
-      </p:graphicFrame>
-    </p:spTree>
-    <p:extLst>
-      <p:ext uri="{BB962C8B-B14F-4D97-AF65-F5344CB8AC3E}">
-        <p14:creationId xmlns:p14="http://schemas.microsoft.com/office/powerpoint/2010/main" val="679561584"/>
       </p:ext>
     </p:extLst>
   </p:cSld>

--- a/Jadval langute.pptx
+++ b/Jadval langute.pptx
@@ -252,7 +252,7 @@
           <a:p>
             <a:fld id="{4747ACA7-1EC8-48A3-B68D-76204D76A671}" type="datetimeFigureOut">
               <a:rPr lang="fa-IR" smtClean="0"/>
-              <a:t>05/11/1444</a:t>
+              <a:t>1444/11/07</a:t>
             </a:fld>
             <a:endParaRPr lang="fa-IR"/>
           </a:p>
@@ -422,7 +422,7 @@
           <a:p>
             <a:fld id="{4747ACA7-1EC8-48A3-B68D-76204D76A671}" type="datetimeFigureOut">
               <a:rPr lang="fa-IR" smtClean="0"/>
-              <a:t>05/11/1444</a:t>
+              <a:t>1444/11/07</a:t>
             </a:fld>
             <a:endParaRPr lang="fa-IR"/>
           </a:p>
@@ -602,7 +602,7 @@
           <a:p>
             <a:fld id="{4747ACA7-1EC8-48A3-B68D-76204D76A671}" type="datetimeFigureOut">
               <a:rPr lang="fa-IR" smtClean="0"/>
-              <a:t>05/11/1444</a:t>
+              <a:t>1444/11/07</a:t>
             </a:fld>
             <a:endParaRPr lang="fa-IR"/>
           </a:p>
@@ -772,7 +772,7 @@
           <a:p>
             <a:fld id="{4747ACA7-1EC8-48A3-B68D-76204D76A671}" type="datetimeFigureOut">
               <a:rPr lang="fa-IR" smtClean="0"/>
-              <a:t>05/11/1444</a:t>
+              <a:t>1444/11/07</a:t>
             </a:fld>
             <a:endParaRPr lang="fa-IR"/>
           </a:p>
@@ -1018,7 +1018,7 @@
           <a:p>
             <a:fld id="{4747ACA7-1EC8-48A3-B68D-76204D76A671}" type="datetimeFigureOut">
               <a:rPr lang="fa-IR" smtClean="0"/>
-              <a:t>05/11/1444</a:t>
+              <a:t>1444/11/07</a:t>
             </a:fld>
             <a:endParaRPr lang="fa-IR"/>
           </a:p>
@@ -1250,7 +1250,7 @@
           <a:p>
             <a:fld id="{4747ACA7-1EC8-48A3-B68D-76204D76A671}" type="datetimeFigureOut">
               <a:rPr lang="fa-IR" smtClean="0"/>
-              <a:t>05/11/1444</a:t>
+              <a:t>1444/11/07</a:t>
             </a:fld>
             <a:endParaRPr lang="fa-IR"/>
           </a:p>
@@ -1617,7 +1617,7 @@
           <a:p>
             <a:fld id="{4747ACA7-1EC8-48A3-B68D-76204D76A671}" type="datetimeFigureOut">
               <a:rPr lang="fa-IR" smtClean="0"/>
-              <a:t>05/11/1444</a:t>
+              <a:t>1444/11/07</a:t>
             </a:fld>
             <a:endParaRPr lang="fa-IR"/>
           </a:p>
@@ -1735,7 +1735,7 @@
           <a:p>
             <a:fld id="{4747ACA7-1EC8-48A3-B68D-76204D76A671}" type="datetimeFigureOut">
               <a:rPr lang="fa-IR" smtClean="0"/>
-              <a:t>05/11/1444</a:t>
+              <a:t>1444/11/07</a:t>
             </a:fld>
             <a:endParaRPr lang="fa-IR"/>
           </a:p>
@@ -1830,7 +1830,7 @@
           <a:p>
             <a:fld id="{4747ACA7-1EC8-48A3-B68D-76204D76A671}" type="datetimeFigureOut">
               <a:rPr lang="fa-IR" smtClean="0"/>
-              <a:t>05/11/1444</a:t>
+              <a:t>1444/11/07</a:t>
             </a:fld>
             <a:endParaRPr lang="fa-IR"/>
           </a:p>
@@ -2107,7 +2107,7 @@
           <a:p>
             <a:fld id="{4747ACA7-1EC8-48A3-B68D-76204D76A671}" type="datetimeFigureOut">
               <a:rPr lang="fa-IR" smtClean="0"/>
-              <a:t>05/11/1444</a:t>
+              <a:t>1444/11/07</a:t>
             </a:fld>
             <a:endParaRPr lang="fa-IR"/>
           </a:p>
@@ -2360,7 +2360,7 @@
           <a:p>
             <a:fld id="{4747ACA7-1EC8-48A3-B68D-76204D76A671}" type="datetimeFigureOut">
               <a:rPr lang="fa-IR" smtClean="0"/>
-              <a:t>05/11/1444</a:t>
+              <a:t>1444/11/07</a:t>
             </a:fld>
             <a:endParaRPr lang="fa-IR"/>
           </a:p>
@@ -2573,7 +2573,7 @@
           <a:p>
             <a:fld id="{4747ACA7-1EC8-48A3-B68D-76204D76A671}" type="datetimeFigureOut">
               <a:rPr lang="fa-IR" smtClean="0"/>
-              <a:t>05/11/1444</a:t>
+              <a:t>1444/11/07</a:t>
             </a:fld>
             <a:endParaRPr lang="fa-IR"/>
           </a:p>
@@ -3705,11 +3705,7 @@
             <a:pPr algn="ctr"/>
             <a:r>
               <a:rPr lang="fa-IR" sz="3200" dirty="0" smtClean="0"/>
-              <a:t>جدول </a:t>
-            </a:r>
-            <a:r>
-              <a:rPr lang="fa-IR" sz="3200" dirty="0" smtClean="0"/>
-              <a:t>محتوای درس ها</a:t>
+              <a:t>جدول محتوای درس ها</a:t>
             </a:r>
             <a:endParaRPr lang="fa-IR" sz="3200" dirty="0"/>
           </a:p>
@@ -4780,14 +4776,14 @@
           <p:nvPr>
             <p:extLst>
               <p:ext uri="{D42A27DB-BD31-4B8C-83A1-F6EECF244321}">
-                <p14:modId xmlns:p14="http://schemas.microsoft.com/office/powerpoint/2010/main" val="678478763"/>
+                <p14:modId xmlns:p14="http://schemas.microsoft.com/office/powerpoint/2010/main" val="1648602626"/>
               </p:ext>
             </p:extLst>
           </p:nvPr>
         </p:nvGraphicFramePr>
         <p:xfrm>
-          <a:off x="1111349" y="1181684"/>
-          <a:ext cx="10128736" cy="5401996"/>
+          <a:off x="2102116" y="1168621"/>
+          <a:ext cx="7596552" cy="5401996"/>
         </p:xfrm>
         <a:graphic>
           <a:graphicData uri="http://schemas.openxmlformats.org/drawingml/2006/table">
@@ -4800,13 +4796,6 @@
                   <a:extLst>
                     <a:ext uri="{9D8B030D-6E8A-4147-A177-3AD203B41FA5}">
                       <a16:colId xmlns:a16="http://schemas.microsoft.com/office/drawing/2014/main" val="4103901997"/>
-                    </a:ext>
-                  </a:extLst>
-                </a:gridCol>
-                <a:gridCol w="2532184">
-                  <a:extLst>
-                    <a:ext uri="{9D8B030D-6E8A-4147-A177-3AD203B41FA5}">
-                      <a16:colId xmlns:a16="http://schemas.microsoft.com/office/drawing/2014/main" val="4199945654"/>
                     </a:ext>
                   </a:extLst>
                 </a:gridCol>
@@ -4849,21 +4838,6 @@
                       <a:pPr algn="ctr" rtl="1"/>
                       <a:r>
                         <a:rPr lang="fa-IR" dirty="0" smtClean="0"/>
-                        <a:t>نام خانوادگی</a:t>
-                      </a:r>
-                      <a:endParaRPr lang="fa-IR" dirty="0"/>
-                    </a:p>
-                  </a:txBody>
-                  <a:tcPr/>
-                </a:tc>
-                <a:tc>
-                  <a:txBody>
-                    <a:bodyPr/>
-                    <a:lstStyle/>
-                    <a:p>
-                      <a:pPr algn="ctr" rtl="1"/>
-                      <a:r>
-                        <a:rPr lang="fa-IR" dirty="0" smtClean="0"/>
                         <a:t>تخصص</a:t>
                       </a:r>
                       <a:endParaRPr lang="fa-IR" dirty="0"/>
@@ -4910,17 +4884,6 @@
                     <a:lstStyle/>
                     <a:p>
                       <a:pPr algn="ctr" rtl="1"/>
-                      <a:endParaRPr lang="fa-IR"/>
-                    </a:p>
-                  </a:txBody>
-                  <a:tcPr/>
-                </a:tc>
-                <a:tc>
-                  <a:txBody>
-                    <a:bodyPr/>
-                    <a:lstStyle/>
-                    <a:p>
-                      <a:pPr algn="ctr" rtl="1"/>
                       <a:endParaRPr lang="fa-IR" dirty="0"/>
                     </a:p>
                   </a:txBody>
@@ -4981,17 +4944,6 @@
                   </a:txBody>
                   <a:tcPr/>
                 </a:tc>
-                <a:tc>
-                  <a:txBody>
-                    <a:bodyPr/>
-                    <a:lstStyle/>
-                    <a:p>
-                      <a:pPr algn="ctr" rtl="1"/>
-                      <a:endParaRPr lang="fa-IR"/>
-                    </a:p>
-                  </a:txBody>
-                  <a:tcPr/>
-                </a:tc>
                 <a:extLst>
                   <a:ext uri="{0D108BD9-81ED-4DB2-BD59-A6C34878D82A}">
                     <a16:rowId xmlns:a16="http://schemas.microsoft.com/office/drawing/2014/main" val="2935914181"/>
@@ -5006,17 +4958,6 @@
                     <a:p>
                       <a:pPr algn="ctr" rtl="1"/>
                       <a:endParaRPr lang="fa-IR" dirty="0"/>
-                    </a:p>
-                  </a:txBody>
-                  <a:tcPr/>
-                </a:tc>
-                <a:tc>
-                  <a:txBody>
-                    <a:bodyPr/>
-                    <a:lstStyle/>
-                    <a:p>
-                      <a:pPr algn="ctr" rtl="1"/>
-                      <a:endParaRPr lang="fa-IR"/>
                     </a:p>
                   </a:txBody>
                   <a:tcPr/>
@@ -5121,11 +5062,7 @@
             <a:pPr algn="ctr"/>
             <a:r>
               <a:rPr lang="fa-IR" sz="3200" dirty="0" smtClean="0"/>
-              <a:t>جدول </a:t>
-            </a:r>
-            <a:r>
-              <a:rPr lang="fa-IR" sz="3200" dirty="0" smtClean="0"/>
-              <a:t>سوال</a:t>
+              <a:t>جدول سوال</a:t>
             </a:r>
             <a:endParaRPr lang="fa-IR" sz="3200" dirty="0"/>
           </a:p>
@@ -5367,11 +5304,7 @@
             <a:pPr algn="ctr"/>
             <a:r>
               <a:rPr lang="fa-IR" sz="3200" dirty="0" smtClean="0"/>
-              <a:t>جدول </a:t>
-            </a:r>
-            <a:r>
-              <a:rPr lang="fa-IR" sz="3200" dirty="0" smtClean="0"/>
-              <a:t>گزینه ها</a:t>
+              <a:t>جدول گزینه ها</a:t>
             </a:r>
             <a:endParaRPr lang="fa-IR" sz="3200" dirty="0"/>
           </a:p>
@@ -5445,11 +5378,7 @@
                       </a:r>
                       <a:r>
                         <a:rPr lang="fa-IR" baseline="0" dirty="0" smtClean="0"/>
-                        <a:t> </a:t>
-                      </a:r>
-                      <a:r>
-                        <a:rPr lang="fa-IR" baseline="0" dirty="0" smtClean="0"/>
-                        <a:t>ها</a:t>
+                        <a:t> ها</a:t>
                       </a:r>
                       <a:endParaRPr lang="fa-IR" dirty="0"/>
                     </a:p>
@@ -5918,11 +5847,7 @@
             <a:pPr algn="ctr"/>
             <a:r>
               <a:rPr lang="fa-IR" sz="3200" dirty="0" smtClean="0"/>
-              <a:t>جدول </a:t>
-            </a:r>
-            <a:r>
-              <a:rPr lang="fa-IR" sz="3200" dirty="0" smtClean="0"/>
-              <a:t>واژگان</a:t>
+              <a:t>جدول واژگان</a:t>
             </a:r>
             <a:endParaRPr lang="fa-IR" sz="3200" dirty="0"/>
           </a:p>

--- a/Jadval langute.pptx
+++ b/Jadval langute.pptx
@@ -6441,7 +6441,11 @@
             <a:pPr algn="ctr"/>
             <a:r>
               <a:rPr lang="fa-IR" sz="3200" dirty="0" smtClean="0"/>
-              <a:t>جدول گفتار</a:t>
+              <a:t>جدول </a:t>
+            </a:r>
+            <a:r>
+              <a:rPr lang="fa-IR" sz="3200" dirty="0" smtClean="0"/>
+              <a:t>گفتار</a:t>
             </a:r>
             <a:endParaRPr lang="fa-IR" sz="3200" dirty="0"/>
           </a:p>
@@ -6644,7 +6648,7 @@
                     <a:lstStyle/>
                     <a:p>
                       <a:pPr algn="ctr" rtl="1"/>
-                      <a:endParaRPr lang="fa-IR"/>
+                      <a:endParaRPr lang="fa-IR" dirty="0"/>
                     </a:p>
                   </a:txBody>
                   <a:tcPr/>
